--- a/Phase2/Review 1/Team 75 Review 1.pptx
+++ b/Phase2/Review 1/Team 75 Review 1.pptx
@@ -5,33 +5,34 @@
     <p:sldMasterId id="2147483657" r:id="rId4"/>
   </p:sldMasterIdLst>
   <p:notesMasterIdLst>
-    <p:notesMasterId r:id="rId26"/>
+    <p:notesMasterId r:id="rId27"/>
   </p:notesMasterIdLst>
   <p:handoutMasterIdLst>
-    <p:handoutMasterId r:id="rId27"/>
+    <p:handoutMasterId r:id="rId28"/>
   </p:handoutMasterIdLst>
   <p:sldIdLst>
     <p:sldId id="538" r:id="rId5"/>
     <p:sldId id="535" r:id="rId6"/>
     <p:sldId id="569" r:id="rId7"/>
     <p:sldId id="584" r:id="rId8"/>
-    <p:sldId id="587" r:id="rId9"/>
-    <p:sldId id="591" r:id="rId10"/>
-    <p:sldId id="583" r:id="rId11"/>
-    <p:sldId id="597" r:id="rId12"/>
-    <p:sldId id="596" r:id="rId13"/>
-    <p:sldId id="588" r:id="rId14"/>
-    <p:sldId id="593" r:id="rId15"/>
-    <p:sldId id="594" r:id="rId16"/>
-    <p:sldId id="595" r:id="rId17"/>
-    <p:sldId id="598" r:id="rId18"/>
-    <p:sldId id="600" r:id="rId19"/>
-    <p:sldId id="592" r:id="rId20"/>
-    <p:sldId id="586" r:id="rId21"/>
-    <p:sldId id="589" r:id="rId22"/>
-    <p:sldId id="590" r:id="rId23"/>
-    <p:sldId id="579" r:id="rId24"/>
-    <p:sldId id="549" r:id="rId25"/>
+    <p:sldId id="591" r:id="rId9"/>
+    <p:sldId id="583" r:id="rId10"/>
+    <p:sldId id="597" r:id="rId11"/>
+    <p:sldId id="596" r:id="rId12"/>
+    <p:sldId id="602" r:id="rId13"/>
+    <p:sldId id="603" r:id="rId14"/>
+    <p:sldId id="588" r:id="rId15"/>
+    <p:sldId id="601" r:id="rId16"/>
+    <p:sldId id="598" r:id="rId17"/>
+    <p:sldId id="600" r:id="rId18"/>
+    <p:sldId id="604" r:id="rId19"/>
+    <p:sldId id="605" r:id="rId20"/>
+    <p:sldId id="592" r:id="rId21"/>
+    <p:sldId id="586" r:id="rId22"/>
+    <p:sldId id="589" r:id="rId23"/>
+    <p:sldId id="590" r:id="rId24"/>
+    <p:sldId id="579" r:id="rId25"/>
+    <p:sldId id="549" r:id="rId26"/>
   </p:sldIdLst>
   <p:sldSz cx="12192000" cy="6858000"/>
   <p:notesSz cx="7010400" cy="9296400"/>
@@ -182,8 +183,8 @@
 <file path=ppt/revisionInfo.xml><?xml version="1.0" encoding="utf-8"?>
 <p1510:revInfo xmlns:a="http://schemas.openxmlformats.org/drawingml/2006/main" xmlns:r="http://schemas.openxmlformats.org/officeDocument/2006/relationships" xmlns:p1510="http://schemas.microsoft.com/office/powerpoint/2015/10/main">
   <p1510:revLst>
-    <p1510:client id="{0B4D84B6-A315-D4AB-D1CD-5BE0E0409B3C}" v="3" dt="2022-08-20T14:49:28.309"/>
-    <p1510:client id="{CDF94416-1C63-475A-B3BF-017FDE0B15B4}" v="154" dt="2022-08-21T10:05:07.733"/>
+    <p1510:client id="{B5F85F0D-755D-48A2-9B8C-58845EE8C9DB}" v="12" dt="2022-08-25T07:49:29.826"/>
+    <p1510:client id="{CDF94416-1C63-475A-B3BF-017FDE0B15B4}" v="156" dt="2022-08-24T13:15:56.616"/>
   </p1510:revLst>
 </p1510:revInfo>
 </file>
@@ -191,513 +192,197 @@
 <file path=ppt/changesInfos/changesInfo1.xml><?xml version="1.0" encoding="utf-8"?>
 <pc:chgInfo xmlns:a="http://schemas.openxmlformats.org/drawingml/2006/main" xmlns:r="http://schemas.openxmlformats.org/officeDocument/2006/relationships" xmlns:ac="http://schemas.microsoft.com/office/drawing/2013/main/command" xmlns:pc="http://schemas.microsoft.com/office/powerpoint/2013/main/command">
   <pc:docChgLst>
-    <pc:chgData name="EC CSE 6C KUNTAL GORAI" userId="S::pes2ug19cs198@pesuonline.onmicrosoft.com::b181011f-cb35-48d3-8935-5a3490a8a0aa" providerId="AD" clId="Web-{0B4D84B6-A315-D4AB-D1CD-5BE0E0409B3C}"/>
-    <pc:docChg chg="modSld">
-      <pc:chgData name="EC CSE 6C KUNTAL GORAI" userId="S::pes2ug19cs198@pesuonline.onmicrosoft.com::b181011f-cb35-48d3-8935-5a3490a8a0aa" providerId="AD" clId="Web-{0B4D84B6-A315-D4AB-D1CD-5BE0E0409B3C}" dt="2022-08-20T14:49:28.309" v="2" actId="20577"/>
+    <pc:chgData name="EC CSE 6F S V S C SANTOSH" userId="deaf69cd-5c88-42a5-ac26-947710df0518" providerId="ADAL" clId="{B5F85F0D-755D-48A2-9B8C-58845EE8C9DB}"/>
+    <pc:docChg chg="undo custSel modSld">
+      <pc:chgData name="EC CSE 6F S V S C SANTOSH" userId="deaf69cd-5c88-42a5-ac26-947710df0518" providerId="ADAL" clId="{B5F85F0D-755D-48A2-9B8C-58845EE8C9DB}" dt="2022-08-25T08:02:29.284" v="1928" actId="20577"/>
       <pc:docMkLst>
         <pc:docMk/>
       </pc:docMkLst>
-      <pc:sldChg chg="modSp">
-        <pc:chgData name="EC CSE 6C KUNTAL GORAI" userId="S::pes2ug19cs198@pesuonline.onmicrosoft.com::b181011f-cb35-48d3-8935-5a3490a8a0aa" providerId="AD" clId="Web-{0B4D84B6-A315-D4AB-D1CD-5BE0E0409B3C}" dt="2022-08-20T14:49:28.309" v="2" actId="20577"/>
-        <pc:sldMkLst>
-          <pc:docMk/>
-          <pc:sldMk cId="0" sldId="538"/>
-        </pc:sldMkLst>
-        <pc:spChg chg="mod">
-          <ac:chgData name="EC CSE 6C KUNTAL GORAI" userId="S::pes2ug19cs198@pesuonline.onmicrosoft.com::b181011f-cb35-48d3-8935-5a3490a8a0aa" providerId="AD" clId="Web-{0B4D84B6-A315-D4AB-D1CD-5BE0E0409B3C}" dt="2022-08-20T14:49:28.309" v="2" actId="20577"/>
-          <ac:spMkLst>
-            <pc:docMk/>
-            <pc:sldMk cId="0" sldId="538"/>
-            <ac:spMk id="4" creationId="{00000000-0000-0000-0000-000000000000}"/>
-          </ac:spMkLst>
-        </pc:spChg>
-      </pc:sldChg>
-    </pc:docChg>
-  </pc:docChgLst>
-  <pc:docChgLst>
-    <pc:chgData name="EC CSE 6F S V S C SANTOSH" userId="deaf69cd-5c88-42a5-ac26-947710df0518" providerId="ADAL" clId="{CDF94416-1C63-475A-B3BF-017FDE0B15B4}"/>
-    <pc:docChg chg="undo custSel addSld delSld modSld sldOrd">
-      <pc:chgData name="EC CSE 6F S V S C SANTOSH" userId="deaf69cd-5c88-42a5-ac26-947710df0518" providerId="ADAL" clId="{CDF94416-1C63-475A-B3BF-017FDE0B15B4}" dt="2022-08-21T10:05:07.733" v="702"/>
-      <pc:docMkLst>
-        <pc:docMk/>
-      </pc:docMkLst>
-      <pc:sldChg chg="addSp delSp modSp mod modClrScheme chgLayout">
-        <pc:chgData name="EC CSE 6F S V S C SANTOSH" userId="deaf69cd-5c88-42a5-ac26-947710df0518" providerId="ADAL" clId="{CDF94416-1C63-475A-B3BF-017FDE0B15B4}" dt="2022-08-20T15:09:30.636" v="41"/>
-        <pc:sldMkLst>
-          <pc:docMk/>
-          <pc:sldMk cId="0" sldId="538"/>
-        </pc:sldMkLst>
-        <pc:spChg chg="mod">
-          <ac:chgData name="EC CSE 6F S V S C SANTOSH" userId="deaf69cd-5c88-42a5-ac26-947710df0518" providerId="ADAL" clId="{CDF94416-1C63-475A-B3BF-017FDE0B15B4}" dt="2022-08-20T15:09:29.088" v="40" actId="26606"/>
-          <ac:spMkLst>
-            <pc:docMk/>
-            <pc:sldMk cId="0" sldId="538"/>
-            <ac:spMk id="2" creationId="{00000000-0000-0000-0000-000000000000}"/>
-          </ac:spMkLst>
-        </pc:spChg>
-        <pc:spChg chg="mod ord">
-          <ac:chgData name="EC CSE 6F S V S C SANTOSH" userId="deaf69cd-5c88-42a5-ac26-947710df0518" providerId="ADAL" clId="{CDF94416-1C63-475A-B3BF-017FDE0B15B4}" dt="2022-08-20T15:09:29.088" v="40" actId="26606"/>
-          <ac:spMkLst>
-            <pc:docMk/>
-            <pc:sldMk cId="0" sldId="538"/>
-            <ac:spMk id="4" creationId="{00000000-0000-0000-0000-000000000000}"/>
-          </ac:spMkLst>
-        </pc:spChg>
-        <pc:picChg chg="add del mod">
-          <ac:chgData name="EC CSE 6F S V S C SANTOSH" userId="deaf69cd-5c88-42a5-ac26-947710df0518" providerId="ADAL" clId="{CDF94416-1C63-475A-B3BF-017FDE0B15B4}" dt="2022-08-20T15:09:30.636" v="41"/>
-          <ac:picMkLst>
-            <pc:docMk/>
-            <pc:sldMk cId="0" sldId="538"/>
-            <ac:picMk id="1026" creationId="{30B2940E-6FCF-D957-8386-CAC65A931275}"/>
-          </ac:picMkLst>
-        </pc:picChg>
-      </pc:sldChg>
       <pc:sldChg chg="modSp mod">
-        <pc:chgData name="EC CSE 6F S V S C SANTOSH" userId="deaf69cd-5c88-42a5-ac26-947710df0518" providerId="ADAL" clId="{CDF94416-1C63-475A-B3BF-017FDE0B15B4}" dt="2022-08-20T15:37:57.033" v="316" actId="14100"/>
-        <pc:sldMkLst>
-          <pc:docMk/>
-          <pc:sldMk cId="0" sldId="579"/>
-        </pc:sldMkLst>
-        <pc:spChg chg="mod">
-          <ac:chgData name="EC CSE 6F S V S C SANTOSH" userId="deaf69cd-5c88-42a5-ac26-947710df0518" providerId="ADAL" clId="{CDF94416-1C63-475A-B3BF-017FDE0B15B4}" dt="2022-08-20T15:37:57.033" v="316" actId="14100"/>
-          <ac:spMkLst>
-            <pc:docMk/>
-            <pc:sldMk cId="0" sldId="579"/>
-            <ac:spMk id="5" creationId="{EBB10B19-4157-41B3-85CA-452455B519DD}"/>
-          </ac:spMkLst>
-        </pc:spChg>
-      </pc:sldChg>
-      <pc:sldChg chg="addSp delSp modSp mod">
-        <pc:chgData name="EC CSE 6F S V S C SANTOSH" userId="deaf69cd-5c88-42a5-ac26-947710df0518" providerId="ADAL" clId="{CDF94416-1C63-475A-B3BF-017FDE0B15B4}" dt="2022-08-20T17:25:30.217" v="592" actId="20577"/>
+        <pc:chgData name="EC CSE 6F S V S C SANTOSH" userId="deaf69cd-5c88-42a5-ac26-947710df0518" providerId="ADAL" clId="{B5F85F0D-755D-48A2-9B8C-58845EE8C9DB}" dt="2022-08-25T07:53:41.350" v="1916" actId="1076"/>
         <pc:sldMkLst>
           <pc:docMk/>
           <pc:sldMk cId="0" sldId="583"/>
         </pc:sldMkLst>
-        <pc:spChg chg="mod">
-          <ac:chgData name="EC CSE 6F S V S C SANTOSH" userId="deaf69cd-5c88-42a5-ac26-947710df0518" providerId="ADAL" clId="{CDF94416-1C63-475A-B3BF-017FDE0B15B4}" dt="2022-08-20T17:12:54.657" v="435" actId="1076"/>
-          <ac:spMkLst>
-            <pc:docMk/>
-            <pc:sldMk cId="0" sldId="583"/>
-            <ac:spMk id="2" creationId="{00000000-0000-0000-0000-000000000000}"/>
-          </ac:spMkLst>
-        </pc:spChg>
-        <pc:spChg chg="mod">
-          <ac:chgData name="EC CSE 6F S V S C SANTOSH" userId="deaf69cd-5c88-42a5-ac26-947710df0518" providerId="ADAL" clId="{CDF94416-1C63-475A-B3BF-017FDE0B15B4}" dt="2022-08-20T17:12:51.957" v="434" actId="1076"/>
-          <ac:spMkLst>
-            <pc:docMk/>
-            <pc:sldMk cId="0" sldId="583"/>
-            <ac:spMk id="3" creationId="{00000000-0000-0000-0000-000000000000}"/>
-          </ac:spMkLst>
-        </pc:spChg>
-        <pc:spChg chg="mod">
-          <ac:chgData name="EC CSE 6F S V S C SANTOSH" userId="deaf69cd-5c88-42a5-ac26-947710df0518" providerId="ADAL" clId="{CDF94416-1C63-475A-B3BF-017FDE0B15B4}" dt="2022-08-20T17:25:30.217" v="592" actId="20577"/>
-          <ac:spMkLst>
-            <pc:docMk/>
-            <pc:sldMk cId="0" sldId="583"/>
-            <ac:spMk id="5" creationId="{EBB10B19-4157-41B3-85CA-452455B519DD}"/>
-          </ac:spMkLst>
-        </pc:spChg>
-        <pc:picChg chg="add del mod">
-          <ac:chgData name="EC CSE 6F S V S C SANTOSH" userId="deaf69cd-5c88-42a5-ac26-947710df0518" providerId="ADAL" clId="{CDF94416-1C63-475A-B3BF-017FDE0B15B4}" dt="2022-08-20T17:05:35.490" v="373" actId="478"/>
+        <pc:picChg chg="mod">
+          <ac:chgData name="EC CSE 6F S V S C SANTOSH" userId="deaf69cd-5c88-42a5-ac26-947710df0518" providerId="ADAL" clId="{B5F85F0D-755D-48A2-9B8C-58845EE8C9DB}" dt="2022-08-25T07:53:41.350" v="1916" actId="1076"/>
           <ac:picMkLst>
             <pc:docMk/>
             <pc:sldMk cId="0" sldId="583"/>
-            <ac:picMk id="6" creationId="{214D565F-0B5B-5EAC-3DE7-F40B1213B056}"/>
-          </ac:picMkLst>
-        </pc:picChg>
-        <pc:picChg chg="add mod">
-          <ac:chgData name="EC CSE 6F S V S C SANTOSH" userId="deaf69cd-5c88-42a5-ac26-947710df0518" providerId="ADAL" clId="{CDF94416-1C63-475A-B3BF-017FDE0B15B4}" dt="2022-08-20T17:25:13.445" v="537" actId="1076"/>
-          <ac:picMkLst>
-            <pc:docMk/>
-            <pc:sldMk cId="0" sldId="583"/>
-            <ac:picMk id="8" creationId="{4FCF080E-5BF5-4A02-2BA7-30CF8D4E9B1E}"/>
+            <ac:picMk id="6" creationId="{D6617CD2-BD8D-8BED-A7BA-70E03390053A}"/>
           </ac:picMkLst>
         </pc:picChg>
       </pc:sldChg>
-      <pc:sldChg chg="modSp mod">
-        <pc:chgData name="EC CSE 6F S V S C SANTOSH" userId="deaf69cd-5c88-42a5-ac26-947710df0518" providerId="ADAL" clId="{CDF94416-1C63-475A-B3BF-017FDE0B15B4}" dt="2022-08-20T15:34:41.502" v="191" actId="21"/>
+      <pc:sldChg chg="addSp delSp modSp mod">
+        <pc:chgData name="EC CSE 6F S V S C SANTOSH" userId="deaf69cd-5c88-42a5-ac26-947710df0518" providerId="ADAL" clId="{B5F85F0D-755D-48A2-9B8C-58845EE8C9DB}" dt="2022-08-25T07:52:10.547" v="1915" actId="14734"/>
         <pc:sldMkLst>
           <pc:docMk/>
           <pc:sldMk cId="0" sldId="586"/>
         </pc:sldMkLst>
         <pc:spChg chg="mod">
-          <ac:chgData name="EC CSE 6F S V S C SANTOSH" userId="deaf69cd-5c88-42a5-ac26-947710df0518" providerId="ADAL" clId="{CDF94416-1C63-475A-B3BF-017FDE0B15B4}" dt="2022-08-20T15:34:41.502" v="191" actId="21"/>
+          <ac:chgData name="EC CSE 6F S V S C SANTOSH" userId="deaf69cd-5c88-42a5-ac26-947710df0518" providerId="ADAL" clId="{B5F85F0D-755D-48A2-9B8C-58845EE8C9DB}" dt="2022-08-25T07:41:14.847" v="1452" actId="1076"/>
+          <ac:spMkLst>
+            <pc:docMk/>
+            <pc:sldMk cId="0" sldId="586"/>
+            <ac:spMk id="2" creationId="{00000000-0000-0000-0000-000000000000}"/>
+          </ac:spMkLst>
+        </pc:spChg>
+        <pc:spChg chg="mod">
+          <ac:chgData name="EC CSE 6F S V S C SANTOSH" userId="deaf69cd-5c88-42a5-ac26-947710df0518" providerId="ADAL" clId="{B5F85F0D-755D-48A2-9B8C-58845EE8C9DB}" dt="2022-08-25T07:41:13.571" v="1451" actId="1076"/>
+          <ac:spMkLst>
+            <pc:docMk/>
+            <pc:sldMk cId="0" sldId="586"/>
+            <ac:spMk id="3" creationId="{00000000-0000-0000-0000-000000000000}"/>
+          </ac:spMkLst>
+        </pc:spChg>
+        <pc:spChg chg="mod">
+          <ac:chgData name="EC CSE 6F S V S C SANTOSH" userId="deaf69cd-5c88-42a5-ac26-947710df0518" providerId="ADAL" clId="{B5F85F0D-755D-48A2-9B8C-58845EE8C9DB}" dt="2022-08-25T07:48:08.274" v="1907" actId="20577"/>
           <ac:spMkLst>
             <pc:docMk/>
             <pc:sldMk cId="0" sldId="586"/>
             <ac:spMk id="5" creationId="{EBB10B19-4157-41B3-85CA-452455B519DD}"/>
           </ac:spMkLst>
         </pc:spChg>
+        <pc:graphicFrameChg chg="add del">
+          <ac:chgData name="EC CSE 6F S V S C SANTOSH" userId="deaf69cd-5c88-42a5-ac26-947710df0518" providerId="ADAL" clId="{B5F85F0D-755D-48A2-9B8C-58845EE8C9DB}" dt="2022-08-25T07:41:51.570" v="1455" actId="478"/>
+          <ac:graphicFrameMkLst>
+            <pc:docMk/>
+            <pc:sldMk cId="0" sldId="586"/>
+            <ac:graphicFrameMk id="4" creationId="{C0F818A0-36F2-9F2D-989F-C6B919C5779D}"/>
+          </ac:graphicFrameMkLst>
+        </pc:graphicFrameChg>
+        <pc:graphicFrameChg chg="add mod modGraphic">
+          <ac:chgData name="EC CSE 6F S V S C SANTOSH" userId="deaf69cd-5c88-42a5-ac26-947710df0518" providerId="ADAL" clId="{B5F85F0D-755D-48A2-9B8C-58845EE8C9DB}" dt="2022-08-25T07:52:10.547" v="1915" actId="14734"/>
+          <ac:graphicFrameMkLst>
+            <pc:docMk/>
+            <pc:sldMk cId="0" sldId="586"/>
+            <ac:graphicFrameMk id="6" creationId="{39255A25-A553-C2AE-F46F-B5ACE6FD09E5}"/>
+          </ac:graphicFrameMkLst>
+        </pc:graphicFrameChg>
       </pc:sldChg>
-      <pc:sldChg chg="modSp add mod ord">
-        <pc:chgData name="EC CSE 6F S V S C SANTOSH" userId="deaf69cd-5c88-42a5-ac26-947710df0518" providerId="ADAL" clId="{CDF94416-1C63-475A-B3BF-017FDE0B15B4}" dt="2022-08-20T16:27:35.814" v="370" actId="20577"/>
+      <pc:sldChg chg="modSp mod">
+        <pc:chgData name="EC CSE 6F S V S C SANTOSH" userId="deaf69cd-5c88-42a5-ac26-947710df0518" providerId="ADAL" clId="{B5F85F0D-755D-48A2-9B8C-58845EE8C9DB}" dt="2022-08-25T08:02:24.475" v="1926" actId="20577"/>
         <pc:sldMkLst>
           <pc:docMk/>
-          <pc:sldMk cId="3774678521" sldId="587"/>
+          <pc:sldMk cId="763765050" sldId="589"/>
         </pc:sldMkLst>
         <pc:spChg chg="mod">
-          <ac:chgData name="EC CSE 6F S V S C SANTOSH" userId="deaf69cd-5c88-42a5-ac26-947710df0518" providerId="ADAL" clId="{CDF94416-1C63-475A-B3BF-017FDE0B15B4}" dt="2022-08-20T16:27:35.814" v="370" actId="20577"/>
+          <ac:chgData name="EC CSE 6F S V S C SANTOSH" userId="deaf69cd-5c88-42a5-ac26-947710df0518" providerId="ADAL" clId="{B5F85F0D-755D-48A2-9B8C-58845EE8C9DB}" dt="2022-08-25T08:00:56.592" v="1922" actId="1076"/>
           <ac:spMkLst>
             <pc:docMk/>
-            <pc:sldMk cId="3774678521" sldId="587"/>
+            <pc:sldMk cId="763765050" sldId="589"/>
+            <ac:spMk id="2" creationId="{00000000-0000-0000-0000-000000000000}"/>
+          </ac:spMkLst>
+        </pc:spChg>
+        <pc:spChg chg="mod">
+          <ac:chgData name="EC CSE 6F S V S C SANTOSH" userId="deaf69cd-5c88-42a5-ac26-947710df0518" providerId="ADAL" clId="{B5F85F0D-755D-48A2-9B8C-58845EE8C9DB}" dt="2022-08-25T08:00:54.796" v="1921" actId="1076"/>
+          <ac:spMkLst>
+            <pc:docMk/>
+            <pc:sldMk cId="763765050" sldId="589"/>
             <ac:spMk id="3" creationId="{00000000-0000-0000-0000-000000000000}"/>
           </ac:spMkLst>
         </pc:spChg>
         <pc:spChg chg="mod">
-          <ac:chgData name="EC CSE 6F S V S C SANTOSH" userId="deaf69cd-5c88-42a5-ac26-947710df0518" providerId="ADAL" clId="{CDF94416-1C63-475A-B3BF-017FDE0B15B4}" dt="2022-08-20T16:26:50.122" v="319" actId="6549"/>
-          <ac:spMkLst>
-            <pc:docMk/>
-            <pc:sldMk cId="3774678521" sldId="587"/>
-            <ac:spMk id="5" creationId="{EBB10B19-4157-41B3-85CA-452455B519DD}"/>
-          </ac:spMkLst>
-        </pc:spChg>
-      </pc:sldChg>
-      <pc:sldChg chg="addSp modSp add mod">
-        <pc:chgData name="EC CSE 6F S V S C SANTOSH" userId="deaf69cd-5c88-42a5-ac26-947710df0518" providerId="ADAL" clId="{CDF94416-1C63-475A-B3BF-017FDE0B15B4}" dt="2022-08-20T17:23:41.264" v="476" actId="20577"/>
-        <pc:sldMkLst>
-          <pc:docMk/>
-          <pc:sldMk cId="2074839258" sldId="588"/>
-        </pc:sldMkLst>
-        <pc:spChg chg="mod">
-          <ac:chgData name="EC CSE 6F S V S C SANTOSH" userId="deaf69cd-5c88-42a5-ac26-947710df0518" providerId="ADAL" clId="{CDF94416-1C63-475A-B3BF-017FDE0B15B4}" dt="2022-08-20T17:23:41.264" v="476" actId="20577"/>
-          <ac:spMkLst>
-            <pc:docMk/>
-            <pc:sldMk cId="2074839258" sldId="588"/>
-            <ac:spMk id="5" creationId="{EBB10B19-4157-41B3-85CA-452455B519DD}"/>
-          </ac:spMkLst>
-        </pc:spChg>
-        <pc:picChg chg="add mod ord">
-          <ac:chgData name="EC CSE 6F S V S C SANTOSH" userId="deaf69cd-5c88-42a5-ac26-947710df0518" providerId="ADAL" clId="{CDF94416-1C63-475A-B3BF-017FDE0B15B4}" dt="2022-08-20T17:12:23.782" v="423" actId="1076"/>
-          <ac:picMkLst>
-            <pc:docMk/>
-            <pc:sldMk cId="2074839258" sldId="588"/>
-            <ac:picMk id="6" creationId="{F6D8EA23-9586-1F32-BD59-FA4D75945126}"/>
-          </ac:picMkLst>
-        </pc:picChg>
-      </pc:sldChg>
-      <pc:sldChg chg="addSp delSp modSp add mod">
-        <pc:chgData name="EC CSE 6F S V S C SANTOSH" userId="deaf69cd-5c88-42a5-ac26-947710df0518" providerId="ADAL" clId="{CDF94416-1C63-475A-B3BF-017FDE0B15B4}" dt="2022-08-20T15:37:34.468" v="304" actId="20577"/>
-        <pc:sldMkLst>
-          <pc:docMk/>
-          <pc:sldMk cId="763765050" sldId="589"/>
-        </pc:sldMkLst>
-        <pc:spChg chg="add mod">
-          <ac:chgData name="EC CSE 6F S V S C SANTOSH" userId="deaf69cd-5c88-42a5-ac26-947710df0518" providerId="ADAL" clId="{CDF94416-1C63-475A-B3BF-017FDE0B15B4}" dt="2022-08-20T15:37:34.468" v="304" actId="20577"/>
+          <ac:chgData name="EC CSE 6F S V S C SANTOSH" userId="deaf69cd-5c88-42a5-ac26-947710df0518" providerId="ADAL" clId="{B5F85F0D-755D-48A2-9B8C-58845EE8C9DB}" dt="2022-08-25T08:02:24.475" v="1926" actId="20577"/>
           <ac:spMkLst>
             <pc:docMk/>
             <pc:sldMk cId="763765050" sldId="589"/>
             <ac:spMk id="4" creationId="{CD4476C1-984C-CCBB-6CC8-F59F81EFDE31}"/>
           </ac:spMkLst>
         </pc:spChg>
-        <pc:spChg chg="del mod">
-          <ac:chgData name="EC CSE 6F S V S C SANTOSH" userId="deaf69cd-5c88-42a5-ac26-947710df0518" providerId="ADAL" clId="{CDF94416-1C63-475A-B3BF-017FDE0B15B4}" dt="2022-08-20T15:37:18.097" v="289" actId="478"/>
-          <ac:spMkLst>
-            <pc:docMk/>
-            <pc:sldMk cId="763765050" sldId="589"/>
-            <ac:spMk id="5" creationId="{EBB10B19-4157-41B3-85CA-452455B519DD}"/>
-          </ac:spMkLst>
-        </pc:spChg>
       </pc:sldChg>
-      <pc:sldChg chg="delSp modSp add mod">
-        <pc:chgData name="EC CSE 6F S V S C SANTOSH" userId="deaf69cd-5c88-42a5-ac26-947710df0518" providerId="ADAL" clId="{CDF94416-1C63-475A-B3BF-017FDE0B15B4}" dt="2022-08-20T15:37:46.166" v="315" actId="20577"/>
+      <pc:sldChg chg="modSp mod">
+        <pc:chgData name="EC CSE 6F S V S C SANTOSH" userId="deaf69cd-5c88-42a5-ac26-947710df0518" providerId="ADAL" clId="{B5F85F0D-755D-48A2-9B8C-58845EE8C9DB}" dt="2022-08-25T08:02:29.284" v="1928" actId="20577"/>
         <pc:sldMkLst>
           <pc:docMk/>
           <pc:sldMk cId="1265558084" sldId="590"/>
         </pc:sldMkLst>
         <pc:spChg chg="mod">
-          <ac:chgData name="EC CSE 6F S V S C SANTOSH" userId="deaf69cd-5c88-42a5-ac26-947710df0518" providerId="ADAL" clId="{CDF94416-1C63-475A-B3BF-017FDE0B15B4}" dt="2022-08-20T15:37:46.166" v="315" actId="20577"/>
+          <ac:chgData name="EC CSE 6F S V S C SANTOSH" userId="deaf69cd-5c88-42a5-ac26-947710df0518" providerId="ADAL" clId="{B5F85F0D-755D-48A2-9B8C-58845EE8C9DB}" dt="2022-08-25T08:00:44.493" v="1918" actId="1076"/>
+          <ac:spMkLst>
+            <pc:docMk/>
+            <pc:sldMk cId="1265558084" sldId="590"/>
+            <ac:spMk id="2" creationId="{00000000-0000-0000-0000-000000000000}"/>
+          </ac:spMkLst>
+        </pc:spChg>
+        <pc:spChg chg="mod">
+          <ac:chgData name="EC CSE 6F S V S C SANTOSH" userId="deaf69cd-5c88-42a5-ac26-947710df0518" providerId="ADAL" clId="{B5F85F0D-755D-48A2-9B8C-58845EE8C9DB}" dt="2022-08-25T08:00:42.032" v="1917" actId="1076"/>
+          <ac:spMkLst>
+            <pc:docMk/>
+            <pc:sldMk cId="1265558084" sldId="590"/>
+            <ac:spMk id="3" creationId="{00000000-0000-0000-0000-000000000000}"/>
+          </ac:spMkLst>
+        </pc:spChg>
+        <pc:spChg chg="mod">
+          <ac:chgData name="EC CSE 6F S V S C SANTOSH" userId="deaf69cd-5c88-42a5-ac26-947710df0518" providerId="ADAL" clId="{B5F85F0D-755D-48A2-9B8C-58845EE8C9DB}" dt="2022-08-25T08:02:29.284" v="1928" actId="20577"/>
           <ac:spMkLst>
             <pc:docMk/>
             <pc:sldMk cId="1265558084" sldId="590"/>
             <ac:spMk id="4" creationId="{CD4476C1-984C-CCBB-6CC8-F59F81EFDE31}"/>
           </ac:spMkLst>
         </pc:spChg>
-        <pc:spChg chg="del mod">
-          <ac:chgData name="EC CSE 6F S V S C SANTOSH" userId="deaf69cd-5c88-42a5-ac26-947710df0518" providerId="ADAL" clId="{CDF94416-1C63-475A-B3BF-017FDE0B15B4}" dt="2022-08-20T15:37:11.498" v="288" actId="478"/>
+      </pc:sldChg>
+      <pc:sldChg chg="modSp mod">
+        <pc:chgData name="EC CSE 6F S V S C SANTOSH" userId="deaf69cd-5c88-42a5-ac26-947710df0518" providerId="ADAL" clId="{B5F85F0D-755D-48A2-9B8C-58845EE8C9DB}" dt="2022-08-25T07:40:14.869" v="1450" actId="1076"/>
+        <pc:sldMkLst>
+          <pc:docMk/>
+          <pc:sldMk cId="508094914" sldId="591"/>
+        </pc:sldMkLst>
+        <pc:spChg chg="mod">
+          <ac:chgData name="EC CSE 6F S V S C SANTOSH" userId="deaf69cd-5c88-42a5-ac26-947710df0518" providerId="ADAL" clId="{B5F85F0D-755D-48A2-9B8C-58845EE8C9DB}" dt="2022-08-25T07:35:26.498" v="1247" actId="1076"/>
           <ac:spMkLst>
             <pc:docMk/>
-            <pc:sldMk cId="1265558084" sldId="590"/>
+            <pc:sldMk cId="508094914" sldId="591"/>
+            <ac:spMk id="2" creationId="{00000000-0000-0000-0000-000000000000}"/>
+          </ac:spMkLst>
+        </pc:spChg>
+        <pc:spChg chg="mod">
+          <ac:chgData name="EC CSE 6F S V S C SANTOSH" userId="deaf69cd-5c88-42a5-ac26-947710df0518" providerId="ADAL" clId="{B5F85F0D-755D-48A2-9B8C-58845EE8C9DB}" dt="2022-08-25T07:35:19.517" v="1246" actId="1076"/>
+          <ac:spMkLst>
+            <pc:docMk/>
+            <pc:sldMk cId="508094914" sldId="591"/>
+            <ac:spMk id="3" creationId="{00000000-0000-0000-0000-000000000000}"/>
+          </ac:spMkLst>
+        </pc:spChg>
+        <pc:spChg chg="mod">
+          <ac:chgData name="EC CSE 6F S V S C SANTOSH" userId="deaf69cd-5c88-42a5-ac26-947710df0518" providerId="ADAL" clId="{B5F85F0D-755D-48A2-9B8C-58845EE8C9DB}" dt="2022-08-25T07:40:14.869" v="1450" actId="1076"/>
+          <ac:spMkLst>
+            <pc:docMk/>
+            <pc:sldMk cId="508094914" sldId="591"/>
             <ac:spMk id="5" creationId="{EBB10B19-4157-41B3-85CA-452455B519DD}"/>
           </ac:spMkLst>
         </pc:spChg>
       </pc:sldChg>
-      <pc:sldChg chg="add">
-        <pc:chgData name="EC CSE 6F S V S C SANTOSH" userId="deaf69cd-5c88-42a5-ac26-947710df0518" providerId="ADAL" clId="{CDF94416-1C63-475A-B3BF-017FDE0B15B4}" dt="2022-08-20T16:27:09.478" v="320" actId="2890"/>
-        <pc:sldMkLst>
-          <pc:docMk/>
-          <pc:sldMk cId="508094914" sldId="591"/>
-        </pc:sldMkLst>
-      </pc:sldChg>
-      <pc:sldChg chg="delSp modSp add del mod">
-        <pc:chgData name="EC CSE 6F S V S C SANTOSH" userId="deaf69cd-5c88-42a5-ac26-947710df0518" providerId="ADAL" clId="{CDF94416-1C63-475A-B3BF-017FDE0B15B4}" dt="2022-08-21T10:04:48.585" v="697" actId="47"/>
+      <pc:sldChg chg="modSp mod">
+        <pc:chgData name="EC CSE 6F S V S C SANTOSH" userId="deaf69cd-5c88-42a5-ac26-947710df0518" providerId="ADAL" clId="{B5F85F0D-755D-48A2-9B8C-58845EE8C9DB}" dt="2022-08-25T07:30:09.914" v="445" actId="1076"/>
         <pc:sldMkLst>
           <pc:docMk/>
           <pc:sldMk cId="2365266705" sldId="592"/>
         </pc:sldMkLst>
         <pc:spChg chg="mod">
-          <ac:chgData name="EC CSE 6F S V S C SANTOSH" userId="deaf69cd-5c88-42a5-ac26-947710df0518" providerId="ADAL" clId="{CDF94416-1C63-475A-B3BF-017FDE0B15B4}" dt="2022-08-20T17:07:03.248" v="389" actId="6549"/>
+          <ac:chgData name="EC CSE 6F S V S C SANTOSH" userId="deaf69cd-5c88-42a5-ac26-947710df0518" providerId="ADAL" clId="{B5F85F0D-755D-48A2-9B8C-58845EE8C9DB}" dt="2022-08-25T07:30:07.679" v="444" actId="1076"/>
+          <ac:spMkLst>
+            <pc:docMk/>
+            <pc:sldMk cId="2365266705" sldId="592"/>
+            <ac:spMk id="2" creationId="{00000000-0000-0000-0000-000000000000}"/>
+          </ac:spMkLst>
+        </pc:spChg>
+        <pc:spChg chg="mod">
+          <ac:chgData name="EC CSE 6F S V S C SANTOSH" userId="deaf69cd-5c88-42a5-ac26-947710df0518" providerId="ADAL" clId="{B5F85F0D-755D-48A2-9B8C-58845EE8C9DB}" dt="2022-08-25T07:30:06.080" v="443" actId="1076"/>
+          <ac:spMkLst>
+            <pc:docMk/>
+            <pc:sldMk cId="2365266705" sldId="592"/>
+            <ac:spMk id="3" creationId="{00000000-0000-0000-0000-000000000000}"/>
+          </ac:spMkLst>
+        </pc:spChg>
+        <pc:spChg chg="mod">
+          <ac:chgData name="EC CSE 6F S V S C SANTOSH" userId="deaf69cd-5c88-42a5-ac26-947710df0518" providerId="ADAL" clId="{B5F85F0D-755D-48A2-9B8C-58845EE8C9DB}" dt="2022-08-25T07:30:09.914" v="445" actId="1076"/>
           <ac:spMkLst>
             <pc:docMk/>
             <pc:sldMk cId="2365266705" sldId="592"/>
             <ac:spMk id="5" creationId="{EBB10B19-4157-41B3-85CA-452455B519DD}"/>
           </ac:spMkLst>
         </pc:spChg>
-        <pc:picChg chg="del">
-          <ac:chgData name="EC CSE 6F S V S C SANTOSH" userId="deaf69cd-5c88-42a5-ac26-947710df0518" providerId="ADAL" clId="{CDF94416-1C63-475A-B3BF-017FDE0B15B4}" dt="2022-08-20T17:06:54.401" v="382" actId="478"/>
-          <ac:picMkLst>
-            <pc:docMk/>
-            <pc:sldMk cId="2365266705" sldId="592"/>
-            <ac:picMk id="6" creationId="{F6D8EA23-9586-1F32-BD59-FA4D75945126}"/>
-          </ac:picMkLst>
-        </pc:picChg>
-      </pc:sldChg>
-      <pc:sldChg chg="addSp delSp modSp add mod">
-        <pc:chgData name="EC CSE 6F S V S C SANTOSH" userId="deaf69cd-5c88-42a5-ac26-947710df0518" providerId="ADAL" clId="{CDF94416-1C63-475A-B3BF-017FDE0B15B4}" dt="2022-08-20T17:23:52.044" v="485" actId="20577"/>
-        <pc:sldMkLst>
-          <pc:docMk/>
-          <pc:sldMk cId="2386237364" sldId="593"/>
-        </pc:sldMkLst>
-        <pc:spChg chg="mod">
-          <ac:chgData name="EC CSE 6F S V S C SANTOSH" userId="deaf69cd-5c88-42a5-ac26-947710df0518" providerId="ADAL" clId="{CDF94416-1C63-475A-B3BF-017FDE0B15B4}" dt="2022-08-20T17:23:52.044" v="485" actId="20577"/>
-          <ac:spMkLst>
-            <pc:docMk/>
-            <pc:sldMk cId="2386237364" sldId="593"/>
-            <ac:spMk id="5" creationId="{EBB10B19-4157-41B3-85CA-452455B519DD}"/>
-          </ac:spMkLst>
-        </pc:spChg>
-        <pc:picChg chg="del">
-          <ac:chgData name="EC CSE 6F S V S C SANTOSH" userId="deaf69cd-5c88-42a5-ac26-947710df0518" providerId="ADAL" clId="{CDF94416-1C63-475A-B3BF-017FDE0B15B4}" dt="2022-08-20T17:08:21.468" v="406" actId="478"/>
-          <ac:picMkLst>
-            <pc:docMk/>
-            <pc:sldMk cId="2386237364" sldId="593"/>
-            <ac:picMk id="6" creationId="{F6D8EA23-9586-1F32-BD59-FA4D75945126}"/>
-          </ac:picMkLst>
-        </pc:picChg>
-        <pc:picChg chg="add mod">
-          <ac:chgData name="EC CSE 6F S V S C SANTOSH" userId="deaf69cd-5c88-42a5-ac26-947710df0518" providerId="ADAL" clId="{CDF94416-1C63-475A-B3BF-017FDE0B15B4}" dt="2022-08-20T17:09:00.853" v="412" actId="1076"/>
-          <ac:picMkLst>
-            <pc:docMk/>
-            <pc:sldMk cId="2386237364" sldId="593"/>
-            <ac:picMk id="7" creationId="{ADEDCA1B-5CB0-6FF6-ACBE-90BCABC265EA}"/>
-          </ac:picMkLst>
-        </pc:picChg>
-      </pc:sldChg>
-      <pc:sldChg chg="addSp delSp modSp add mod">
-        <pc:chgData name="EC CSE 6F S V S C SANTOSH" userId="deaf69cd-5c88-42a5-ac26-947710df0518" providerId="ADAL" clId="{CDF94416-1C63-475A-B3BF-017FDE0B15B4}" dt="2022-08-20T17:24:02.860" v="499" actId="20577"/>
-        <pc:sldMkLst>
-          <pc:docMk/>
-          <pc:sldMk cId="597049886" sldId="594"/>
-        </pc:sldMkLst>
-        <pc:spChg chg="mod">
-          <ac:chgData name="EC CSE 6F S V S C SANTOSH" userId="deaf69cd-5c88-42a5-ac26-947710df0518" providerId="ADAL" clId="{CDF94416-1C63-475A-B3BF-017FDE0B15B4}" dt="2022-08-20T17:24:02.860" v="499" actId="20577"/>
-          <ac:spMkLst>
-            <pc:docMk/>
-            <pc:sldMk cId="597049886" sldId="594"/>
-            <ac:spMk id="5" creationId="{EBB10B19-4157-41B3-85CA-452455B519DD}"/>
-          </ac:spMkLst>
-        </pc:spChg>
-        <pc:picChg chg="del">
-          <ac:chgData name="EC CSE 6F S V S C SANTOSH" userId="deaf69cd-5c88-42a5-ac26-947710df0518" providerId="ADAL" clId="{CDF94416-1C63-475A-B3BF-017FDE0B15B4}" dt="2022-08-20T17:08:23.571" v="407" actId="478"/>
-          <ac:picMkLst>
-            <pc:docMk/>
-            <pc:sldMk cId="597049886" sldId="594"/>
-            <ac:picMk id="6" creationId="{F6D8EA23-9586-1F32-BD59-FA4D75945126}"/>
-          </ac:picMkLst>
-        </pc:picChg>
-        <pc:picChg chg="add mod">
-          <ac:chgData name="EC CSE 6F S V S C SANTOSH" userId="deaf69cd-5c88-42a5-ac26-947710df0518" providerId="ADAL" clId="{CDF94416-1C63-475A-B3BF-017FDE0B15B4}" dt="2022-08-20T17:09:39.048" v="415" actId="1076"/>
-          <ac:picMkLst>
-            <pc:docMk/>
-            <pc:sldMk cId="597049886" sldId="594"/>
-            <ac:picMk id="7" creationId="{0A639D64-4164-A358-09EC-4586691810A6}"/>
-          </ac:picMkLst>
-        </pc:picChg>
-      </pc:sldChg>
-      <pc:sldChg chg="addSp delSp modSp add mod">
-        <pc:chgData name="EC CSE 6F S V S C SANTOSH" userId="deaf69cd-5c88-42a5-ac26-947710df0518" providerId="ADAL" clId="{CDF94416-1C63-475A-B3BF-017FDE0B15B4}" dt="2022-08-20T17:24:19.488" v="506" actId="20577"/>
-        <pc:sldMkLst>
-          <pc:docMk/>
-          <pc:sldMk cId="380834651" sldId="595"/>
-        </pc:sldMkLst>
-        <pc:spChg chg="mod">
-          <ac:chgData name="EC CSE 6F S V S C SANTOSH" userId="deaf69cd-5c88-42a5-ac26-947710df0518" providerId="ADAL" clId="{CDF94416-1C63-475A-B3BF-017FDE0B15B4}" dt="2022-08-20T17:24:19.488" v="506" actId="20577"/>
-          <ac:spMkLst>
-            <pc:docMk/>
-            <pc:sldMk cId="380834651" sldId="595"/>
-            <ac:spMk id="5" creationId="{EBB10B19-4157-41B3-85CA-452455B519DD}"/>
-          </ac:spMkLst>
-        </pc:spChg>
-        <pc:picChg chg="del">
-          <ac:chgData name="EC CSE 6F S V S C SANTOSH" userId="deaf69cd-5c88-42a5-ac26-947710df0518" providerId="ADAL" clId="{CDF94416-1C63-475A-B3BF-017FDE0B15B4}" dt="2022-08-20T17:08:25.455" v="408" actId="478"/>
-          <ac:picMkLst>
-            <pc:docMk/>
-            <pc:sldMk cId="380834651" sldId="595"/>
-            <ac:picMk id="6" creationId="{F6D8EA23-9586-1F32-BD59-FA4D75945126}"/>
-          </ac:picMkLst>
-        </pc:picChg>
-        <pc:picChg chg="add mod">
-          <ac:chgData name="EC CSE 6F S V S C SANTOSH" userId="deaf69cd-5c88-42a5-ac26-947710df0518" providerId="ADAL" clId="{CDF94416-1C63-475A-B3BF-017FDE0B15B4}" dt="2022-08-20T17:11:07.220" v="421" actId="1076"/>
-          <ac:picMkLst>
-            <pc:docMk/>
-            <pc:sldMk cId="380834651" sldId="595"/>
-            <ac:picMk id="7" creationId="{A7F27CE3-AA9F-AEE4-6F80-69A1B1D708AF}"/>
-          </ac:picMkLst>
-        </pc:picChg>
-      </pc:sldChg>
-      <pc:sldChg chg="modSp add mod">
-        <pc:chgData name="EC CSE 6F S V S C SANTOSH" userId="deaf69cd-5c88-42a5-ac26-947710df0518" providerId="ADAL" clId="{CDF94416-1C63-475A-B3BF-017FDE0B15B4}" dt="2022-08-20T17:12:35.589" v="426" actId="6549"/>
-        <pc:sldMkLst>
-          <pc:docMk/>
-          <pc:sldMk cId="654670340" sldId="596"/>
-        </pc:sldMkLst>
-        <pc:spChg chg="mod">
-          <ac:chgData name="EC CSE 6F S V S C SANTOSH" userId="deaf69cd-5c88-42a5-ac26-947710df0518" providerId="ADAL" clId="{CDF94416-1C63-475A-B3BF-017FDE0B15B4}" dt="2022-08-20T17:12:35.589" v="426" actId="6549"/>
-          <ac:spMkLst>
-            <pc:docMk/>
-            <pc:sldMk cId="654670340" sldId="596"/>
-            <ac:spMk id="5" creationId="{EBB10B19-4157-41B3-85CA-452455B519DD}"/>
-          </ac:spMkLst>
-        </pc:spChg>
-      </pc:sldChg>
-      <pc:sldChg chg="addSp delSp modSp add mod">
-        <pc:chgData name="EC CSE 6F S V S C SANTOSH" userId="deaf69cd-5c88-42a5-ac26-947710df0518" providerId="ADAL" clId="{CDF94416-1C63-475A-B3BF-017FDE0B15B4}" dt="2022-08-20T17:27:26.509" v="594"/>
-        <pc:sldMkLst>
-          <pc:docMk/>
-          <pc:sldMk cId="1899392949" sldId="597"/>
-        </pc:sldMkLst>
-        <pc:spChg chg="mod">
-          <ac:chgData name="EC CSE 6F S V S C SANTOSH" userId="deaf69cd-5c88-42a5-ac26-947710df0518" providerId="ADAL" clId="{CDF94416-1C63-475A-B3BF-017FDE0B15B4}" dt="2022-08-20T17:27:26.509" v="594"/>
-          <ac:spMkLst>
-            <pc:docMk/>
-            <pc:sldMk cId="1899392949" sldId="597"/>
-            <ac:spMk id="5" creationId="{EBB10B19-4157-41B3-85CA-452455B519DD}"/>
-          </ac:spMkLst>
-        </pc:spChg>
-        <pc:picChg chg="add mod">
-          <ac:chgData name="EC CSE 6F S V S C SANTOSH" userId="deaf69cd-5c88-42a5-ac26-947710df0518" providerId="ADAL" clId="{CDF94416-1C63-475A-B3BF-017FDE0B15B4}" dt="2022-08-20T17:19:18.596" v="443" actId="1076"/>
-          <ac:picMkLst>
-            <pc:docMk/>
-            <pc:sldMk cId="1899392949" sldId="597"/>
-            <ac:picMk id="6" creationId="{7D7DBB31-D455-5CB8-5C1B-94BCFC67D222}"/>
-          </ac:picMkLst>
-        </pc:picChg>
-        <pc:picChg chg="del">
-          <ac:chgData name="EC CSE 6F S V S C SANTOSH" userId="deaf69cd-5c88-42a5-ac26-947710df0518" providerId="ADAL" clId="{CDF94416-1C63-475A-B3BF-017FDE0B15B4}" dt="2022-08-20T17:19:10.610" v="441" actId="478"/>
-          <ac:picMkLst>
-            <pc:docMk/>
-            <pc:sldMk cId="1899392949" sldId="597"/>
-            <ac:picMk id="8" creationId="{4FCF080E-5BF5-4A02-2BA7-30CF8D4E9B1E}"/>
-          </ac:picMkLst>
-        </pc:picChg>
-      </pc:sldChg>
-      <pc:sldChg chg="addSp delSp modSp add mod">
-        <pc:chgData name="EC CSE 6F S V S C SANTOSH" userId="deaf69cd-5c88-42a5-ac26-947710df0518" providerId="ADAL" clId="{CDF94416-1C63-475A-B3BF-017FDE0B15B4}" dt="2022-08-20T17:24:32.219" v="536" actId="20577"/>
-        <pc:sldMkLst>
-          <pc:docMk/>
-          <pc:sldMk cId="1613148598" sldId="598"/>
-        </pc:sldMkLst>
-        <pc:spChg chg="mod">
-          <ac:chgData name="EC CSE 6F S V S C SANTOSH" userId="deaf69cd-5c88-42a5-ac26-947710df0518" providerId="ADAL" clId="{CDF94416-1C63-475A-B3BF-017FDE0B15B4}" dt="2022-08-20T17:24:32.219" v="536" actId="20577"/>
-          <ac:spMkLst>
-            <pc:docMk/>
-            <pc:sldMk cId="1613148598" sldId="598"/>
-            <ac:spMk id="5" creationId="{EBB10B19-4157-41B3-85CA-452455B519DD}"/>
-          </ac:spMkLst>
-        </pc:spChg>
-        <pc:picChg chg="add mod">
-          <ac:chgData name="EC CSE 6F S V S C SANTOSH" userId="deaf69cd-5c88-42a5-ac26-947710df0518" providerId="ADAL" clId="{CDF94416-1C63-475A-B3BF-017FDE0B15B4}" dt="2022-08-20T17:21:12.064" v="452" actId="1076"/>
-          <ac:picMkLst>
-            <pc:docMk/>
-            <pc:sldMk cId="1613148598" sldId="598"/>
-            <ac:picMk id="6" creationId="{4D7C57E4-5CE0-BCD2-0401-35AABEB8F613}"/>
-          </ac:picMkLst>
-        </pc:picChg>
-        <pc:picChg chg="del">
-          <ac:chgData name="EC CSE 6F S V S C SANTOSH" userId="deaf69cd-5c88-42a5-ac26-947710df0518" providerId="ADAL" clId="{CDF94416-1C63-475A-B3BF-017FDE0B15B4}" dt="2022-08-20T17:20:58.146" v="445" actId="478"/>
-          <ac:picMkLst>
-            <pc:docMk/>
-            <pc:sldMk cId="1613148598" sldId="598"/>
-            <ac:picMk id="7" creationId="{A7F27CE3-AA9F-AEE4-6F80-69A1B1D708AF}"/>
-          </ac:picMkLst>
-        </pc:picChg>
-      </pc:sldChg>
-      <pc:sldChg chg="delSp modSp add del mod">
-        <pc:chgData name="EC CSE 6F S V S C SANTOSH" userId="deaf69cd-5c88-42a5-ac26-947710df0518" providerId="ADAL" clId="{CDF94416-1C63-475A-B3BF-017FDE0B15B4}" dt="2022-08-21T10:04:45.626" v="695" actId="47"/>
-        <pc:sldMkLst>
-          <pc:docMk/>
-          <pc:sldMk cId="3745663616" sldId="599"/>
-        </pc:sldMkLst>
-        <pc:spChg chg="mod">
-          <ac:chgData name="EC CSE 6F S V S C SANTOSH" userId="deaf69cd-5c88-42a5-ac26-947710df0518" providerId="ADAL" clId="{CDF94416-1C63-475A-B3BF-017FDE0B15B4}" dt="2022-08-21T10:04:41.442" v="694" actId="21"/>
-          <ac:spMkLst>
-            <pc:docMk/>
-            <pc:sldMk cId="3745663616" sldId="599"/>
-            <ac:spMk id="5" creationId="{EBB10B19-4157-41B3-85CA-452455B519DD}"/>
-          </ac:spMkLst>
-        </pc:spChg>
-        <pc:picChg chg="del">
-          <ac:chgData name="EC CSE 6F S V S C SANTOSH" userId="deaf69cd-5c88-42a5-ac26-947710df0518" providerId="ADAL" clId="{CDF94416-1C63-475A-B3BF-017FDE0B15B4}" dt="2022-08-21T10:02:55.957" v="642" actId="478"/>
-          <ac:picMkLst>
-            <pc:docMk/>
-            <pc:sldMk cId="3745663616" sldId="599"/>
-            <ac:picMk id="6" creationId="{4D7C57E4-5CE0-BCD2-0401-35AABEB8F613}"/>
-          </ac:picMkLst>
-        </pc:picChg>
-      </pc:sldChg>
-      <pc:sldChg chg="addSp delSp modSp add mod">
-        <pc:chgData name="EC CSE 6F S V S C SANTOSH" userId="deaf69cd-5c88-42a5-ac26-947710df0518" providerId="ADAL" clId="{CDF94416-1C63-475A-B3BF-017FDE0B15B4}" dt="2022-08-21T10:05:07.733" v="702"/>
-        <pc:sldMkLst>
-          <pc:docMk/>
-          <pc:sldMk cId="1326010510" sldId="600"/>
-        </pc:sldMkLst>
-        <pc:spChg chg="mod">
-          <ac:chgData name="EC CSE 6F S V S C SANTOSH" userId="deaf69cd-5c88-42a5-ac26-947710df0518" providerId="ADAL" clId="{CDF94416-1C63-475A-B3BF-017FDE0B15B4}" dt="2022-08-21T10:03:16.700" v="687" actId="21"/>
-          <ac:spMkLst>
-            <pc:docMk/>
-            <pc:sldMk cId="1326010510" sldId="600"/>
-            <ac:spMk id="5" creationId="{EBB10B19-4157-41B3-85CA-452455B519DD}"/>
-          </ac:spMkLst>
-        </pc:spChg>
-        <pc:spChg chg="add mod">
-          <ac:chgData name="EC CSE 6F S V S C SANTOSH" userId="deaf69cd-5c88-42a5-ac26-947710df0518" providerId="ADAL" clId="{CDF94416-1C63-475A-B3BF-017FDE0B15B4}" dt="2022-08-21T10:04:36.844" v="693" actId="1076"/>
-          <ac:spMkLst>
-            <pc:docMk/>
-            <pc:sldMk cId="1326010510" sldId="600"/>
-            <ac:spMk id="8" creationId="{84A972DB-880A-68C4-5766-CC1D7184341E}"/>
-          </ac:spMkLst>
-        </pc:spChg>
-        <pc:spChg chg="add mod">
-          <ac:chgData name="EC CSE 6F S V S C SANTOSH" userId="deaf69cd-5c88-42a5-ac26-947710df0518" providerId="ADAL" clId="{CDF94416-1C63-475A-B3BF-017FDE0B15B4}" dt="2022-08-21T10:05:07.733" v="702"/>
-          <ac:spMkLst>
-            <pc:docMk/>
-            <pc:sldMk cId="1326010510" sldId="600"/>
-            <ac:spMk id="11" creationId="{4F1D8E89-8A65-E785-ACDE-9FCE947BDD82}"/>
-          </ac:spMkLst>
-        </pc:spChg>
-        <pc:picChg chg="del">
-          <ac:chgData name="EC CSE 6F S V S C SANTOSH" userId="deaf69cd-5c88-42a5-ac26-947710df0518" providerId="ADAL" clId="{CDF94416-1C63-475A-B3BF-017FDE0B15B4}" dt="2022-08-21T10:02:38.533" v="597" actId="478"/>
-          <ac:picMkLst>
-            <pc:docMk/>
-            <pc:sldMk cId="1326010510" sldId="600"/>
-            <ac:picMk id="6" creationId="{4D7C57E4-5CE0-BCD2-0401-35AABEB8F613}"/>
-          </ac:picMkLst>
-        </pc:picChg>
-        <pc:picChg chg="add mod">
-          <ac:chgData name="EC CSE 6F S V S C SANTOSH" userId="deaf69cd-5c88-42a5-ac26-947710df0518" providerId="ADAL" clId="{CDF94416-1C63-475A-B3BF-017FDE0B15B4}" dt="2022-08-21T10:04:28.041" v="690" actId="27614"/>
-          <ac:picMkLst>
-            <pc:docMk/>
-            <pc:sldMk cId="1326010510" sldId="600"/>
-            <ac:picMk id="7" creationId="{E2C85049-96BF-C44D-6C9E-53CECE8977F7}"/>
-          </ac:picMkLst>
-        </pc:picChg>
-        <pc:picChg chg="add mod">
-          <ac:chgData name="EC CSE 6F S V S C SANTOSH" userId="deaf69cd-5c88-42a5-ac26-947710df0518" providerId="ADAL" clId="{CDF94416-1C63-475A-B3BF-017FDE0B15B4}" dt="2022-08-21T10:05:00.175" v="700" actId="27614"/>
-          <ac:picMkLst>
-            <pc:docMk/>
-            <pc:sldMk cId="1326010510" sldId="600"/>
-            <ac:picMk id="10" creationId="{8010D4A1-3DE4-7E0B-147C-4CC33456C1AF}"/>
-          </ac:picMkLst>
-        </pc:picChg>
       </pc:sldChg>
     </pc:docChg>
   </pc:docChgLst>
@@ -795,7 +480,7 @@
               <a:pPr>
                 <a:defRPr/>
               </a:pPr>
-              <a:t>8/21/2022</a:t>
+              <a:t>8/25/2022</a:t>
             </a:fld>
             <a:endParaRPr lang="en-US"/>
           </a:p>
@@ -978,7 +663,7 @@
               <a:pPr>
                 <a:defRPr/>
               </a:pPr>
-              <a:t>8/21/2022</a:t>
+              <a:t>8/25/2022</a:t>
             </a:fld>
             <a:endParaRPr lang="en-US"/>
           </a:p>
@@ -1716,7 +1401,7 @@
             <a:fld id="{2D1A7037-0853-0447-B5BA-F1548123F733}" type="datetimeFigureOut">
               <a:rPr lang="en-US" smtClean="0"/>
               <a:pPr/>
-              <a:t>8/21/2022</a:t>
+              <a:t>8/25/2022</a:t>
             </a:fld>
             <a:endParaRPr lang="en-US"/>
           </a:p>
@@ -1916,7 +1601,7 @@
             <a:fld id="{2D1A7037-0853-0447-B5BA-F1548123F733}" type="datetimeFigureOut">
               <a:rPr lang="en-US" smtClean="0"/>
               <a:pPr/>
-              <a:t>8/21/2022</a:t>
+              <a:t>8/25/2022</a:t>
             </a:fld>
             <a:endParaRPr lang="en-US"/>
           </a:p>
@@ -2193,7 +1878,7 @@
             <a:fld id="{2D1A7037-0853-0447-B5BA-F1548123F733}" type="datetimeFigureOut">
               <a:rPr lang="en-US" smtClean="0"/>
               <a:pPr/>
-              <a:t>8/21/2022</a:t>
+              <a:t>8/25/2022</a:t>
             </a:fld>
             <a:endParaRPr lang="en-US"/>
           </a:p>
@@ -2460,7 +2145,7 @@
             <a:fld id="{2D1A7037-0853-0447-B5BA-F1548123F733}" type="datetimeFigureOut">
               <a:rPr lang="en-US" smtClean="0"/>
               <a:pPr/>
-              <a:t>8/21/2022</a:t>
+              <a:t>8/25/2022</a:t>
             </a:fld>
             <a:endParaRPr lang="en-US"/>
           </a:p>
@@ -2874,7 +2559,7 @@
             <a:fld id="{2D1A7037-0853-0447-B5BA-F1548123F733}" type="datetimeFigureOut">
               <a:rPr lang="en-US" smtClean="0"/>
               <a:pPr/>
-              <a:t>8/21/2022</a:t>
+              <a:t>8/25/2022</a:t>
             </a:fld>
             <a:endParaRPr lang="en-US"/>
           </a:p>
@@ -3017,7 +2702,7 @@
             <a:fld id="{2D1A7037-0853-0447-B5BA-F1548123F733}" type="datetimeFigureOut">
               <a:rPr lang="en-US" smtClean="0"/>
               <a:pPr/>
-              <a:t>8/21/2022</a:t>
+              <a:t>8/25/2022</a:t>
             </a:fld>
             <a:endParaRPr lang="en-US"/>
           </a:p>
@@ -3132,7 +2817,7 @@
             <a:fld id="{2D1A7037-0853-0447-B5BA-F1548123F733}" type="datetimeFigureOut">
               <a:rPr lang="en-US" smtClean="0"/>
               <a:pPr/>
-              <a:t>8/21/2022</a:t>
+              <a:t>8/25/2022</a:t>
             </a:fld>
             <a:endParaRPr lang="en-US"/>
           </a:p>
@@ -3445,7 +3130,7 @@
             <a:fld id="{2D1A7037-0853-0447-B5BA-F1548123F733}" type="datetimeFigureOut">
               <a:rPr lang="en-US" smtClean="0"/>
               <a:pPr/>
-              <a:t>8/21/2022</a:t>
+              <a:t>8/25/2022</a:t>
             </a:fld>
             <a:endParaRPr lang="en-US"/>
           </a:p>
@@ -3738,7 +3423,7 @@
             <a:fld id="{2D1A7037-0853-0447-B5BA-F1548123F733}" type="datetimeFigureOut">
               <a:rPr lang="en-US" smtClean="0"/>
               <a:pPr/>
-              <a:t>8/21/2022</a:t>
+              <a:t>8/25/2022</a:t>
             </a:fld>
             <a:endParaRPr lang="en-US"/>
           </a:p>
@@ -3981,7 +3666,7 @@
             <a:fld id="{2D1A7037-0853-0447-B5BA-F1548123F733}" type="datetimeFigureOut">
               <a:rPr lang="en-US" smtClean="0"/>
               <a:pPr/>
-              <a:t>8/21/2022</a:t>
+              <a:t>8/25/2022</a:t>
             </a:fld>
             <a:endParaRPr lang="en-US"/>
           </a:p>
@@ -4793,7 +4478,7 @@
         </p:nvSpPr>
         <p:spPr bwMode="auto">
           <a:xfrm>
-            <a:off x="3048000" y="1447800"/>
+            <a:off x="3352800" y="627405"/>
             <a:ext cx="7620000" cy="36513"/>
           </a:xfrm>
           <a:prstGeom prst="rect">
@@ -4827,7 +4512,7 @@
         </p:nvSpPr>
         <p:spPr bwMode="auto">
           <a:xfrm>
-            <a:off x="2895600" y="990600"/>
+            <a:off x="2971800" y="164690"/>
             <a:ext cx="7772400" cy="461665"/>
           </a:xfrm>
           <a:prstGeom prst="rect">
@@ -4856,7 +4541,7 @@
               </a:spcAft>
             </a:pPr>
             <a:r>
-              <a:rPr lang="en-US" sz="2400">
+              <a:rPr lang="en-US" sz="2400" dirty="0">
                 <a:solidFill>
                   <a:srgbClr val="FF0000"/>
                 </a:solidFill>
@@ -4867,7 +4552,7 @@
               </a:rPr>
               <a:t>Expected Deliverables</a:t>
             </a:r>
-            <a:endParaRPr lang="en-US" sz="2400"/>
+            <a:endParaRPr lang="en-US" sz="2400" dirty="0"/>
           </a:p>
         </p:txBody>
       </p:sp>
@@ -4885,8 +4570,8 @@
         </p:nvSpPr>
         <p:spPr>
           <a:xfrm>
-            <a:off x="76200" y="1600200"/>
-            <a:ext cx="11658600" cy="461665"/>
+            <a:off x="51619" y="904210"/>
+            <a:ext cx="10896600" cy="2308324"/>
           </a:xfrm>
           <a:prstGeom prst="rect">
             <a:avLst/>
@@ -4908,7 +4593,7 @@
               </a:spcAft>
             </a:pPr>
             <a:r>
-              <a:rPr lang="en-US" sz="2400">
+              <a:rPr lang="en-US" sz="2400" dirty="0">
                 <a:solidFill>
                   <a:srgbClr val="0033CC"/>
                 </a:solidFill>
@@ -4917,8 +4602,42 @@
                 <a:cs typeface="Trebuchet MS"/>
                 <a:sym typeface="Trebuchet MS"/>
               </a:rPr>
-              <a:t>Data Visualization: Train Images vs Class</a:t>
-            </a:r>
+              <a:t>Data Input: </a:t>
+            </a:r>
+            <a:r>
+              <a:rPr lang="en-US" sz="2400" dirty="0">
+                <a:solidFill>
+                  <a:schemeClr val="tx1">
+                    <a:lumMod val="85000"/>
+                    <a:lumOff val="15000"/>
+                  </a:schemeClr>
+                </a:solidFill>
+                <a:latin typeface="Trebuchet MS"/>
+                <a:ea typeface="Trebuchet MS"/>
+                <a:cs typeface="Trebuchet MS"/>
+                <a:sym typeface="Trebuchet MS"/>
+              </a:rPr>
+              <a:t>The model like any other Transfer Learning model takes input of the image converted into any image of fixed size like 224*224 for Efficient Net, Mobile Net etc. The Data being used undergoes some Augmentation like Rotation of images by some degree, zoom in ,zoom out. After this the input is sent as a numpy array of RGB values.</a:t>
+            </a:r>
+          </a:p>
+          <a:p>
+            <a:pPr algn="just">
+              <a:spcBef>
+                <a:spcPts val="0"/>
+              </a:spcBef>
+              <a:spcAft>
+                <a:spcPts val="0"/>
+              </a:spcAft>
+            </a:pPr>
+            <a:endParaRPr lang="en-US" sz="2400" dirty="0">
+              <a:solidFill>
+                <a:srgbClr val="0033CC"/>
+              </a:solidFill>
+              <a:latin typeface="Trebuchet MS"/>
+              <a:ea typeface="Trebuchet MS"/>
+              <a:cs typeface="Trebuchet MS"/>
+              <a:sym typeface="Trebuchet MS"/>
+            </a:endParaRPr>
           </a:p>
         </p:txBody>
       </p:sp>
@@ -4927,7 +4646,7 @@
           <p:cNvPr id="6" name="Picture 5">
             <a:extLst>
               <a:ext uri="{FF2B5EF4-FFF2-40B4-BE49-F238E27FC236}">
-                <a16:creationId xmlns:a16="http://schemas.microsoft.com/office/drawing/2014/main" id="{F6D8EA23-9586-1F32-BD59-FA4D75945126}"/>
+                <a16:creationId xmlns:a16="http://schemas.microsoft.com/office/drawing/2014/main" id="{CBA5E35A-DAF3-4B7E-C2CF-359369633BAA}"/>
               </a:ext>
             </a:extLst>
           </p:cNvPr>
@@ -4944,8 +4663,8 @@
         </p:blipFill>
         <p:spPr>
           <a:xfrm>
-            <a:off x="1371600" y="2438400"/>
-            <a:ext cx="7582379" cy="3676146"/>
+            <a:off x="3423228" y="2852213"/>
+            <a:ext cx="5209496" cy="3976227"/>
           </a:xfrm>
           <a:prstGeom prst="rect">
             <a:avLst/>
@@ -4955,7 +4674,7 @@
     </p:spTree>
     <p:extLst>
       <p:ext uri="{BB962C8B-B14F-4D97-AF65-F5344CB8AC3E}">
-        <p14:creationId xmlns:p14="http://schemas.microsoft.com/office/powerpoint/2010/main" val="2074839258"/>
+        <p14:creationId xmlns:p14="http://schemas.microsoft.com/office/powerpoint/2010/main" val="1693007050"/>
       </p:ext>
     </p:extLst>
   </p:cSld>
@@ -5107,7 +4826,7 @@
               </a:spcAft>
             </a:pPr>
             <a:r>
-              <a:rPr lang="en-US" sz="2400">
+              <a:rPr lang="en-US" sz="2400" dirty="0">
                 <a:solidFill>
                   <a:srgbClr val="0033CC"/>
                 </a:solidFill>
@@ -5116,17 +4835,17 @@
                 <a:cs typeface="Trebuchet MS"/>
                 <a:sym typeface="Trebuchet MS"/>
               </a:rPr>
-              <a:t>Data Visualization: Test Images vs Class</a:t>
+              <a:t>Data Visualization: Images vs Class</a:t>
             </a:r>
           </a:p>
         </p:txBody>
       </p:sp>
       <p:pic>
         <p:nvPicPr>
-          <p:cNvPr id="7" name="Picture 6">
+          <p:cNvPr id="7" name="Picture 6" descr="Chart, histogram&#10;&#10;Description automatically generated">
             <a:extLst>
               <a:ext uri="{FF2B5EF4-FFF2-40B4-BE49-F238E27FC236}">
-                <a16:creationId xmlns:a16="http://schemas.microsoft.com/office/drawing/2014/main" id="{ADEDCA1B-5CB0-6FF6-ACBE-90BCABC265EA}"/>
+                <a16:creationId xmlns:a16="http://schemas.microsoft.com/office/drawing/2014/main" id="{5DC71C3E-0AE0-DC8F-DAD6-505315C0EB5B}"/>
               </a:ext>
             </a:extLst>
           </p:cNvPr>
@@ -5136,25 +4855,41 @@
           <p:nvPr/>
         </p:nvPicPr>
         <p:blipFill>
-          <a:blip r:embed="rId2"/>
+          <a:blip r:embed="rId2">
+            <a:extLst>
+              <a:ext uri="{28A0092B-C50C-407E-A947-70E740481C1C}">
+                <a14:useLocalDpi xmlns:a14="http://schemas.microsoft.com/office/drawing/2010/main" val="0"/>
+              </a:ext>
+            </a:extLst>
+          </a:blip>
           <a:stretch>
             <a:fillRect/>
           </a:stretch>
         </p:blipFill>
         <p:spPr>
           <a:xfrm>
-            <a:off x="762000" y="2210001"/>
-            <a:ext cx="9011124" cy="4345434"/>
+            <a:off x="1286949" y="2209800"/>
+            <a:ext cx="9381051" cy="4425024"/>
           </a:xfrm>
           <a:prstGeom prst="rect">
             <a:avLst/>
           </a:prstGeom>
+          <a:ln>
+            <a:noFill/>
+          </a:ln>
+          <a:effectLst>
+            <a:outerShdw blurRad="292100" dist="139700" dir="2700000" algn="tl" rotWithShape="0">
+              <a:srgbClr val="333333">
+                <a:alpha val="65000"/>
+              </a:srgbClr>
+            </a:outerShdw>
+          </a:effectLst>
         </p:spPr>
       </p:pic>
     </p:spTree>
     <p:extLst>
       <p:ext uri="{BB962C8B-B14F-4D97-AF65-F5344CB8AC3E}">
-        <p14:creationId xmlns:p14="http://schemas.microsoft.com/office/powerpoint/2010/main" val="2386237364"/>
+        <p14:creationId xmlns:p14="http://schemas.microsoft.com/office/powerpoint/2010/main" val="2074839258"/>
       </p:ext>
     </p:extLst>
   </p:cSld>
@@ -5306,7 +5041,7 @@
               </a:spcAft>
             </a:pPr>
             <a:r>
-              <a:rPr lang="en-US" sz="2400">
+              <a:rPr lang="en-US" sz="2400" dirty="0">
                 <a:solidFill>
                   <a:srgbClr val="0033CC"/>
                 </a:solidFill>
@@ -5315,17 +5050,17 @@
                 <a:cs typeface="Trebuchet MS"/>
                 <a:sym typeface="Trebuchet MS"/>
               </a:rPr>
-              <a:t>Data Visualization: Validation Images vs Class</a:t>
+              <a:t>Data Visualization: Images vs Class</a:t>
             </a:r>
           </a:p>
         </p:txBody>
       </p:sp>
       <p:pic>
         <p:nvPicPr>
-          <p:cNvPr id="7" name="Picture 6">
+          <p:cNvPr id="6" name="Picture 5" descr="A picture containing chart&#10;&#10;Description automatically generated">
             <a:extLst>
               <a:ext uri="{FF2B5EF4-FFF2-40B4-BE49-F238E27FC236}">
-                <a16:creationId xmlns:a16="http://schemas.microsoft.com/office/drawing/2014/main" id="{0A639D64-4164-A358-09EC-4586691810A6}"/>
+                <a16:creationId xmlns:a16="http://schemas.microsoft.com/office/drawing/2014/main" id="{252A15ED-8899-FE92-89D7-CC2B39022F7D}"/>
               </a:ext>
             </a:extLst>
           </p:cNvPr>
@@ -5335,25 +5070,41 @@
           <p:nvPr/>
         </p:nvPicPr>
         <p:blipFill>
-          <a:blip r:embed="rId2"/>
+          <a:blip r:embed="rId2">
+            <a:extLst>
+              <a:ext uri="{28A0092B-C50C-407E-A947-70E740481C1C}">
+                <a14:useLocalDpi xmlns:a14="http://schemas.microsoft.com/office/drawing/2010/main" val="0"/>
+              </a:ext>
+            </a:extLst>
+          </a:blip>
           <a:stretch>
             <a:fillRect/>
           </a:stretch>
         </p:blipFill>
         <p:spPr>
           <a:xfrm>
-            <a:off x="1920017" y="2177752"/>
-            <a:ext cx="7970966" cy="4168249"/>
+            <a:off x="1155981" y="2177752"/>
+            <a:ext cx="9499037" cy="4480678"/>
           </a:xfrm>
           <a:prstGeom prst="rect">
             <a:avLst/>
           </a:prstGeom>
+          <a:ln>
+            <a:noFill/>
+          </a:ln>
+          <a:effectLst>
+            <a:outerShdw blurRad="292100" dist="139700" dir="2700000" algn="tl" rotWithShape="0">
+              <a:srgbClr val="333333">
+                <a:alpha val="65000"/>
+              </a:srgbClr>
+            </a:outerShdw>
+          </a:effectLst>
         </p:spPr>
       </p:pic>
     </p:spTree>
     <p:extLst>
       <p:ext uri="{BB962C8B-B14F-4D97-AF65-F5344CB8AC3E}">
-        <p14:creationId xmlns:p14="http://schemas.microsoft.com/office/powerpoint/2010/main" val="597049886"/>
+        <p14:creationId xmlns:p14="http://schemas.microsoft.com/office/powerpoint/2010/main" val="1189512881"/>
       </p:ext>
     </p:extLst>
   </p:cSld>
@@ -5514,7 +5265,7 @@
                 <a:cs typeface="Trebuchet MS"/>
                 <a:sym typeface="Trebuchet MS"/>
               </a:rPr>
-              <a:t>Data Visualization: All Images vs Class</a:t>
+              <a:t>Data Visualization: Percentage of Classes</a:t>
             </a:r>
           </a:p>
         </p:txBody>
@@ -5524,7 +5275,7 @@
           <p:cNvPr id="7" name="Picture 6">
             <a:extLst>
               <a:ext uri="{FF2B5EF4-FFF2-40B4-BE49-F238E27FC236}">
-                <a16:creationId xmlns:a16="http://schemas.microsoft.com/office/drawing/2014/main" id="{A7F27CE3-AA9F-AEE4-6F80-69A1B1D708AF}"/>
+                <a16:creationId xmlns:a16="http://schemas.microsoft.com/office/drawing/2014/main" id="{03CADE99-0519-0968-E0DF-569C3020E2B2}"/>
               </a:ext>
             </a:extLst>
           </p:cNvPr>
@@ -5541,18 +5292,28 @@
         </p:blipFill>
         <p:spPr>
           <a:xfrm>
-            <a:off x="1295400" y="2061865"/>
-            <a:ext cx="9309974" cy="4542392"/>
+            <a:off x="1875503" y="2435947"/>
+            <a:ext cx="7976419" cy="4156317"/>
           </a:xfrm>
           <a:prstGeom prst="rect">
             <a:avLst/>
           </a:prstGeom>
+          <a:ln>
+            <a:noFill/>
+          </a:ln>
+          <a:effectLst>
+            <a:outerShdw blurRad="292100" dist="139700" dir="2700000" algn="tl" rotWithShape="0">
+              <a:srgbClr val="333333">
+                <a:alpha val="65000"/>
+              </a:srgbClr>
+            </a:outerShdw>
+          </a:effectLst>
         </p:spPr>
       </p:pic>
     </p:spTree>
     <p:extLst>
       <p:ext uri="{BB962C8B-B14F-4D97-AF65-F5344CB8AC3E}">
-        <p14:creationId xmlns:p14="http://schemas.microsoft.com/office/powerpoint/2010/main" val="380834651"/>
+        <p14:creationId xmlns:p14="http://schemas.microsoft.com/office/powerpoint/2010/main" val="1613148598"/>
       </p:ext>
     </p:extLst>
   </p:cSld>
@@ -5704,7 +5465,7 @@
               </a:spcAft>
             </a:pPr>
             <a:r>
-              <a:rPr lang="en-US" sz="2400">
+              <a:rPr lang="en-US" sz="2400" dirty="0">
                 <a:solidFill>
                   <a:srgbClr val="0033CC"/>
                 </a:solidFill>
@@ -5713,17 +5474,105 @@
                 <a:cs typeface="Trebuchet MS"/>
                 <a:sym typeface="Trebuchet MS"/>
               </a:rPr>
-              <a:t>Data Visualization: Percentage of Classes</a:t>
-            </a:r>
+              <a:t>Data Visualization: Efficient Net V2</a:t>
+            </a:r>
+          </a:p>
+        </p:txBody>
+      </p:sp>
+      <p:sp>
+        <p:nvSpPr>
+          <p:cNvPr id="8" name="TextBox 7">
+            <a:extLst>
+              <a:ext uri="{FF2B5EF4-FFF2-40B4-BE49-F238E27FC236}">
+                <a16:creationId xmlns:a16="http://schemas.microsoft.com/office/drawing/2014/main" id="{84A972DB-880A-68C4-5766-CC1D7184341E}"/>
+              </a:ext>
+            </a:extLst>
+          </p:cNvPr>
+          <p:cNvSpPr txBox="1"/>
+          <p:nvPr/>
+        </p:nvSpPr>
+        <p:spPr>
+          <a:xfrm>
+            <a:off x="447869" y="5086565"/>
+            <a:ext cx="3536353" cy="369332"/>
+          </a:xfrm>
+          <a:prstGeom prst="rect">
+            <a:avLst/>
+          </a:prstGeom>
+          <a:noFill/>
+        </p:spPr>
+        <p:txBody>
+          <a:bodyPr wrap="none" rtlCol="0">
+            <a:spAutoFit/>
+          </a:bodyPr>
+          <a:lstStyle/>
+          <a:p>
+            <a:r>
+              <a:rPr lang="en-US" sz="1800">
+                <a:solidFill>
+                  <a:srgbClr val="0033CC"/>
+                </a:solidFill>
+                <a:latin typeface="Trebuchet MS"/>
+                <a:ea typeface="Trebuchet MS"/>
+                <a:cs typeface="Trebuchet MS"/>
+                <a:sym typeface="Trebuchet MS"/>
+              </a:rPr>
+              <a:t>Training and Validation Accuracy</a:t>
+            </a:r>
+            <a:endParaRPr lang="en-IN"/>
+          </a:p>
+        </p:txBody>
+      </p:sp>
+      <p:sp>
+        <p:nvSpPr>
+          <p:cNvPr id="11" name="TextBox 10">
+            <a:extLst>
+              <a:ext uri="{FF2B5EF4-FFF2-40B4-BE49-F238E27FC236}">
+                <a16:creationId xmlns:a16="http://schemas.microsoft.com/office/drawing/2014/main" id="{4F1D8E89-8A65-E785-ACDE-9FCE947BDD82}"/>
+              </a:ext>
+            </a:extLst>
+          </p:cNvPr>
+          <p:cNvSpPr txBox="1"/>
+          <p:nvPr/>
+        </p:nvSpPr>
+        <p:spPr>
+          <a:xfrm>
+            <a:off x="7239000" y="5086565"/>
+            <a:ext cx="3045770" cy="369332"/>
+          </a:xfrm>
+          <a:prstGeom prst="rect">
+            <a:avLst/>
+          </a:prstGeom>
+          <a:noFill/>
+        </p:spPr>
+        <p:txBody>
+          <a:bodyPr wrap="none" rtlCol="0">
+            <a:spAutoFit/>
+          </a:bodyPr>
+          <a:lstStyle/>
+          <a:p>
+            <a:r>
+              <a:rPr lang="en-US" sz="1800">
+                <a:solidFill>
+                  <a:srgbClr val="0033CC"/>
+                </a:solidFill>
+                <a:latin typeface="Trebuchet MS"/>
+                <a:ea typeface="Trebuchet MS"/>
+                <a:cs typeface="Trebuchet MS"/>
+                <a:sym typeface="Trebuchet MS"/>
+              </a:rPr>
+              <a:t>Training and Validation Loss</a:t>
+            </a:r>
+            <a:endParaRPr lang="en-IN"/>
           </a:p>
         </p:txBody>
       </p:sp>
       <p:pic>
         <p:nvPicPr>
-          <p:cNvPr id="6" name="Picture 5" descr="Chart, pie chart, sunburst chart&#10;&#10;Description automatically generated">
+          <p:cNvPr id="6" name="Picture 5">
             <a:extLst>
               <a:ext uri="{FF2B5EF4-FFF2-40B4-BE49-F238E27FC236}">
-                <a16:creationId xmlns:a16="http://schemas.microsoft.com/office/drawing/2014/main" id="{4D7C57E4-5CE0-BCD2-0401-35AABEB8F613}"/>
+                <a16:creationId xmlns:a16="http://schemas.microsoft.com/office/drawing/2014/main" id="{DB79290D-B3E5-AAAA-BD6D-01F1FB5D6F9C}"/>
               </a:ext>
             </a:extLst>
           </p:cNvPr>
@@ -5733,31 +5582,75 @@
           <p:nvPr/>
         </p:nvPicPr>
         <p:blipFill>
-          <a:blip r:embed="rId2">
-            <a:extLst>
-              <a:ext uri="{28A0092B-C50C-407E-A947-70E740481C1C}">
-                <a14:useLocalDpi xmlns:a14="http://schemas.microsoft.com/office/drawing/2010/main" val="0"/>
-              </a:ext>
-            </a:extLst>
-          </a:blip>
+          <a:blip r:embed="rId2"/>
           <a:stretch>
             <a:fillRect/>
           </a:stretch>
         </p:blipFill>
         <p:spPr>
           <a:xfrm>
-            <a:off x="1981200" y="2061865"/>
-            <a:ext cx="7467600" cy="4424932"/>
+            <a:off x="6762135" y="2401993"/>
+            <a:ext cx="3985605" cy="2499577"/>
           </a:xfrm>
           <a:prstGeom prst="rect">
             <a:avLst/>
           </a:prstGeom>
+          <a:ln>
+            <a:noFill/>
+          </a:ln>
+          <a:effectLst>
+            <a:outerShdw blurRad="292100" dist="139700" dir="2700000" algn="tl" rotWithShape="0">
+              <a:srgbClr val="333333">
+                <a:alpha val="65000"/>
+              </a:srgbClr>
+            </a:outerShdw>
+          </a:effectLst>
+        </p:spPr>
+      </p:pic>
+      <p:pic>
+        <p:nvPicPr>
+          <p:cNvPr id="12" name="Picture 11">
+            <a:extLst>
+              <a:ext uri="{FF2B5EF4-FFF2-40B4-BE49-F238E27FC236}">
+                <a16:creationId xmlns:a16="http://schemas.microsoft.com/office/drawing/2014/main" id="{B42B6CE4-1D7C-7745-640A-E01DC719F93E}"/>
+              </a:ext>
+            </a:extLst>
+          </p:cNvPr>
+          <p:cNvPicPr>
+            <a:picLocks noChangeAspect="1"/>
+          </p:cNvPicPr>
+          <p:nvPr/>
+        </p:nvPicPr>
+        <p:blipFill>
+          <a:blip r:embed="rId3"/>
+          <a:stretch>
+            <a:fillRect/>
+          </a:stretch>
+        </p:blipFill>
+        <p:spPr>
+          <a:xfrm>
+            <a:off x="339281" y="2296559"/>
+            <a:ext cx="4099915" cy="2499577"/>
+          </a:xfrm>
+          <a:prstGeom prst="rect">
+            <a:avLst/>
+          </a:prstGeom>
+          <a:ln>
+            <a:noFill/>
+          </a:ln>
+          <a:effectLst>
+            <a:outerShdw blurRad="292100" dist="139700" dir="2700000" algn="tl" rotWithShape="0">
+              <a:srgbClr val="333333">
+                <a:alpha val="65000"/>
+              </a:srgbClr>
+            </a:outerShdw>
+          </a:effectLst>
         </p:spPr>
       </p:pic>
     </p:spTree>
     <p:extLst>
       <p:ext uri="{BB962C8B-B14F-4D97-AF65-F5344CB8AC3E}">
-        <p14:creationId xmlns:p14="http://schemas.microsoft.com/office/powerpoint/2010/main" val="1613148598"/>
+        <p14:creationId xmlns:p14="http://schemas.microsoft.com/office/powerpoint/2010/main" val="1326010510"/>
       </p:ext>
     </p:extLst>
   </p:cSld>
@@ -5828,7 +5721,7 @@
         </p:nvSpPr>
         <p:spPr bwMode="auto">
           <a:xfrm>
-            <a:off x="2895600" y="990600"/>
+            <a:off x="2895600" y="887074"/>
             <a:ext cx="7772400" cy="461665"/>
           </a:xfrm>
           <a:prstGeom prst="rect">
@@ -5857,7 +5750,7 @@
               </a:spcAft>
             </a:pPr>
             <a:r>
-              <a:rPr lang="en-US" sz="2400">
+              <a:rPr lang="en-US" sz="2400" dirty="0">
                 <a:solidFill>
                   <a:srgbClr val="FF0000"/>
                 </a:solidFill>
@@ -5868,7 +5761,7 @@
               </a:rPr>
               <a:t>Expected Deliverables</a:t>
             </a:r>
-            <a:endParaRPr lang="en-US" sz="2400"/>
+            <a:endParaRPr lang="en-US" sz="2400" dirty="0"/>
           </a:p>
         </p:txBody>
       </p:sp>
@@ -5909,7 +5802,7 @@
               </a:spcAft>
             </a:pPr>
             <a:r>
-              <a:rPr lang="en-US" sz="2400">
+              <a:rPr lang="en-US" sz="2400" dirty="0">
                 <a:solidFill>
                   <a:srgbClr val="0033CC"/>
                 </a:solidFill>
@@ -5918,47 +5811,11 @@
                 <a:cs typeface="Trebuchet MS"/>
                 <a:sym typeface="Trebuchet MS"/>
               </a:rPr>
-              <a:t>Data Visualization:</a:t>
-            </a:r>
-          </a:p>
-        </p:txBody>
-      </p:sp>
-      <p:pic>
-        <p:nvPicPr>
-          <p:cNvPr id="7" name="Picture 6" descr="Chart, scatter chart&#10;&#10;Description automatically generated">
-            <a:extLst>
-              <a:ext uri="{FF2B5EF4-FFF2-40B4-BE49-F238E27FC236}">
-                <a16:creationId xmlns:a16="http://schemas.microsoft.com/office/drawing/2014/main" id="{E2C85049-96BF-C44D-6C9E-53CECE8977F7}"/>
-              </a:ext>
-            </a:extLst>
-          </p:cNvPr>
-          <p:cNvPicPr>
-            <a:picLocks noChangeAspect="1"/>
-          </p:cNvPicPr>
-          <p:nvPr/>
-        </p:nvPicPr>
-        <p:blipFill>
-          <a:blip r:embed="rId2">
-            <a:extLst>
-              <a:ext uri="{28A0092B-C50C-407E-A947-70E740481C1C}">
-                <a14:useLocalDpi xmlns:a14="http://schemas.microsoft.com/office/drawing/2010/main" val="0"/>
-              </a:ext>
-            </a:extLst>
-          </a:blip>
-          <a:stretch>
-            <a:fillRect/>
-          </a:stretch>
-        </p:blipFill>
-        <p:spPr>
-          <a:xfrm>
-            <a:off x="457200" y="2374065"/>
-            <a:ext cx="3324225" cy="2400300"/>
-          </a:xfrm>
-          <a:prstGeom prst="rect">
-            <a:avLst/>
-          </a:prstGeom>
-        </p:spPr>
-      </p:pic>
+              <a:t>Data Visualization: Mobile Net V2</a:t>
+            </a:r>
+          </a:p>
+        </p:txBody>
+      </p:sp>
       <p:sp>
         <p:nvSpPr>
           <p:cNvPr id="8" name="TextBox 7">
@@ -6003,42 +5860,6 @@
           </a:p>
         </p:txBody>
       </p:sp>
-      <p:pic>
-        <p:nvPicPr>
-          <p:cNvPr id="10" name="Picture 9" descr="Chart, line chart&#10;&#10;Description automatically generated">
-            <a:extLst>
-              <a:ext uri="{FF2B5EF4-FFF2-40B4-BE49-F238E27FC236}">
-                <a16:creationId xmlns:a16="http://schemas.microsoft.com/office/drawing/2014/main" id="{8010D4A1-3DE4-7E0B-147C-4CC33456C1AF}"/>
-              </a:ext>
-            </a:extLst>
-          </p:cNvPr>
-          <p:cNvPicPr>
-            <a:picLocks noChangeAspect="1"/>
-          </p:cNvPicPr>
-          <p:nvPr/>
-        </p:nvPicPr>
-        <p:blipFill>
-          <a:blip r:embed="rId3">
-            <a:extLst>
-              <a:ext uri="{28A0092B-C50C-407E-A947-70E740481C1C}">
-                <a14:useLocalDpi xmlns:a14="http://schemas.microsoft.com/office/drawing/2010/main" val="0"/>
-              </a:ext>
-            </a:extLst>
-          </a:blip>
-          <a:stretch>
-            <a:fillRect/>
-          </a:stretch>
-        </p:blipFill>
-        <p:spPr>
-          <a:xfrm>
-            <a:off x="7086600" y="2355404"/>
-            <a:ext cx="3381375" cy="2371725"/>
-          </a:xfrm>
-          <a:prstGeom prst="rect">
-            <a:avLst/>
-          </a:prstGeom>
-        </p:spPr>
-      </p:pic>
       <p:sp>
         <p:nvSpPr>
           <p:cNvPr id="11" name="TextBox 10">
@@ -6083,10 +5904,90 @@
           </a:p>
         </p:txBody>
       </p:sp>
+      <p:pic>
+        <p:nvPicPr>
+          <p:cNvPr id="7" name="Picture 6">
+            <a:extLst>
+              <a:ext uri="{FF2B5EF4-FFF2-40B4-BE49-F238E27FC236}">
+                <a16:creationId xmlns:a16="http://schemas.microsoft.com/office/drawing/2014/main" id="{4F96702B-0F8B-82DC-244D-44BAAD4E71AF}"/>
+              </a:ext>
+            </a:extLst>
+          </p:cNvPr>
+          <p:cNvPicPr>
+            <a:picLocks noChangeAspect="1"/>
+          </p:cNvPicPr>
+          <p:nvPr/>
+        </p:nvPicPr>
+        <p:blipFill>
+          <a:blip r:embed="rId2"/>
+          <a:stretch>
+            <a:fillRect/>
+          </a:stretch>
+        </p:blipFill>
+        <p:spPr>
+          <a:xfrm>
+            <a:off x="447869" y="2419334"/>
+            <a:ext cx="3939881" cy="2667231"/>
+          </a:xfrm>
+          <a:prstGeom prst="rect">
+            <a:avLst/>
+          </a:prstGeom>
+          <a:ln>
+            <a:noFill/>
+          </a:ln>
+          <a:effectLst>
+            <a:outerShdw blurRad="292100" dist="139700" dir="2700000" algn="tl" rotWithShape="0">
+              <a:srgbClr val="333333">
+                <a:alpha val="65000"/>
+              </a:srgbClr>
+            </a:outerShdw>
+          </a:effectLst>
+        </p:spPr>
+      </p:pic>
+      <p:pic>
+        <p:nvPicPr>
+          <p:cNvPr id="10" name="Picture 9">
+            <a:extLst>
+              <a:ext uri="{FF2B5EF4-FFF2-40B4-BE49-F238E27FC236}">
+                <a16:creationId xmlns:a16="http://schemas.microsoft.com/office/drawing/2014/main" id="{BB8F2087-BE1A-FF8A-18A4-0B509A86D453}"/>
+              </a:ext>
+            </a:extLst>
+          </p:cNvPr>
+          <p:cNvPicPr>
+            <a:picLocks noChangeAspect="1"/>
+          </p:cNvPicPr>
+          <p:nvPr/>
+        </p:nvPicPr>
+        <p:blipFill>
+          <a:blip r:embed="rId3"/>
+          <a:stretch>
+            <a:fillRect/>
+          </a:stretch>
+        </p:blipFill>
+        <p:spPr>
+          <a:xfrm>
+            <a:off x="7116292" y="2419334"/>
+            <a:ext cx="4016088" cy="2476715"/>
+          </a:xfrm>
+          <a:prstGeom prst="rect">
+            <a:avLst/>
+          </a:prstGeom>
+          <a:ln>
+            <a:noFill/>
+          </a:ln>
+          <a:effectLst>
+            <a:outerShdw blurRad="292100" dist="139700" dir="2700000" algn="tl" rotWithShape="0">
+              <a:srgbClr val="333333">
+                <a:alpha val="65000"/>
+              </a:srgbClr>
+            </a:outerShdw>
+          </a:effectLst>
+        </p:spPr>
+      </p:pic>
     </p:spTree>
     <p:extLst>
       <p:ext uri="{BB962C8B-B14F-4D97-AF65-F5344CB8AC3E}">
-        <p14:creationId xmlns:p14="http://schemas.microsoft.com/office/powerpoint/2010/main" val="1326010510"/>
+        <p14:creationId xmlns:p14="http://schemas.microsoft.com/office/powerpoint/2010/main" val="3078873132"/>
       </p:ext>
     </p:extLst>
   </p:cSld>
@@ -6216,7 +6117,7 @@
         <p:spPr>
           <a:xfrm>
             <a:off x="76200" y="1600200"/>
-            <a:ext cx="10896600" cy="1569660"/>
+            <a:ext cx="11658600" cy="461665"/>
           </a:xfrm>
           <a:prstGeom prst="rect">
             <a:avLst/>
@@ -6238,7 +6139,7 @@
               </a:spcAft>
             </a:pPr>
             <a:r>
-              <a:rPr lang="en-US" sz="2400">
+              <a:rPr lang="en-US" sz="2400" dirty="0">
                 <a:solidFill>
                   <a:srgbClr val="0033CC"/>
                 </a:solidFill>
@@ -6247,58 +6148,41 @@
                 <a:cs typeface="Trebuchet MS"/>
                 <a:sym typeface="Trebuchet MS"/>
               </a:rPr>
-              <a:t>Data Interpretation:</a:t>
-            </a:r>
-          </a:p>
-          <a:p>
-            <a:pPr algn="just">
-              <a:spcBef>
-                <a:spcPts val="0"/>
-              </a:spcBef>
-              <a:spcAft>
-                <a:spcPts val="0"/>
-              </a:spcAft>
-            </a:pPr>
-            <a:endParaRPr lang="en-US" sz="2400">
-              <a:solidFill>
-                <a:srgbClr val="0033CC"/>
-              </a:solidFill>
-              <a:latin typeface="Trebuchet MS"/>
-              <a:ea typeface="Trebuchet MS"/>
-              <a:cs typeface="Trebuchet MS"/>
-              <a:sym typeface="Trebuchet MS"/>
-            </a:endParaRPr>
-          </a:p>
-          <a:p>
-            <a:pPr algn="just">
-              <a:spcBef>
-                <a:spcPts val="0"/>
-              </a:spcBef>
-              <a:spcAft>
-                <a:spcPts val="0"/>
-              </a:spcAft>
-            </a:pPr>
-            <a:endParaRPr lang="en-US" sz="2400">
-              <a:solidFill>
-                <a:srgbClr val="0033CC"/>
-              </a:solidFill>
-              <a:latin typeface="Trebuchet MS"/>
-              <a:ea typeface="Trebuchet MS"/>
-              <a:cs typeface="Trebuchet MS"/>
-              <a:sym typeface="Trebuchet MS"/>
-            </a:endParaRPr>
-          </a:p>
-          <a:p>
-            <a:pPr algn="just">
-              <a:spcBef>
-                <a:spcPts val="0"/>
-              </a:spcBef>
-              <a:spcAft>
-                <a:spcPts val="0"/>
-              </a:spcAft>
-            </a:pPr>
-            <a:r>
-              <a:rPr lang="en-US" sz="2400">
+              <a:t>Data Visualization: NasNet_Mobile </a:t>
+            </a:r>
+          </a:p>
+        </p:txBody>
+      </p:sp>
+      <p:sp>
+        <p:nvSpPr>
+          <p:cNvPr id="8" name="TextBox 7">
+            <a:extLst>
+              <a:ext uri="{FF2B5EF4-FFF2-40B4-BE49-F238E27FC236}">
+                <a16:creationId xmlns:a16="http://schemas.microsoft.com/office/drawing/2014/main" id="{84A972DB-880A-68C4-5766-CC1D7184341E}"/>
+              </a:ext>
+            </a:extLst>
+          </p:cNvPr>
+          <p:cNvSpPr txBox="1"/>
+          <p:nvPr/>
+        </p:nvSpPr>
+        <p:spPr>
+          <a:xfrm>
+            <a:off x="447869" y="5086565"/>
+            <a:ext cx="3536353" cy="369332"/>
+          </a:xfrm>
+          <a:prstGeom prst="rect">
+            <a:avLst/>
+          </a:prstGeom>
+          <a:noFill/>
+        </p:spPr>
+        <p:txBody>
+          <a:bodyPr wrap="none" rtlCol="0">
+            <a:spAutoFit/>
+          </a:bodyPr>
+          <a:lstStyle/>
+          <a:p>
+            <a:r>
+              <a:rPr lang="en-US" sz="1800">
                 <a:solidFill>
                   <a:srgbClr val="0033CC"/>
                 </a:solidFill>
@@ -6307,15 +6191,140 @@
                 <a:cs typeface="Trebuchet MS"/>
                 <a:sym typeface="Trebuchet MS"/>
               </a:rPr>
-              <a:t>Storage :</a:t>
-            </a:r>
-          </a:p>
-        </p:txBody>
-      </p:sp>
+              <a:t>Training and Validation Accuracy</a:t>
+            </a:r>
+            <a:endParaRPr lang="en-IN"/>
+          </a:p>
+        </p:txBody>
+      </p:sp>
+      <p:sp>
+        <p:nvSpPr>
+          <p:cNvPr id="11" name="TextBox 10">
+            <a:extLst>
+              <a:ext uri="{FF2B5EF4-FFF2-40B4-BE49-F238E27FC236}">
+                <a16:creationId xmlns:a16="http://schemas.microsoft.com/office/drawing/2014/main" id="{4F1D8E89-8A65-E785-ACDE-9FCE947BDD82}"/>
+              </a:ext>
+            </a:extLst>
+          </p:cNvPr>
+          <p:cNvSpPr txBox="1"/>
+          <p:nvPr/>
+        </p:nvSpPr>
+        <p:spPr>
+          <a:xfrm>
+            <a:off x="7239000" y="5086565"/>
+            <a:ext cx="3045770" cy="369332"/>
+          </a:xfrm>
+          <a:prstGeom prst="rect">
+            <a:avLst/>
+          </a:prstGeom>
+          <a:noFill/>
+        </p:spPr>
+        <p:txBody>
+          <a:bodyPr wrap="none" rtlCol="0">
+            <a:spAutoFit/>
+          </a:bodyPr>
+          <a:lstStyle/>
+          <a:p>
+            <a:r>
+              <a:rPr lang="en-US" sz="1800">
+                <a:solidFill>
+                  <a:srgbClr val="0033CC"/>
+                </a:solidFill>
+                <a:latin typeface="Trebuchet MS"/>
+                <a:ea typeface="Trebuchet MS"/>
+                <a:cs typeface="Trebuchet MS"/>
+                <a:sym typeface="Trebuchet MS"/>
+              </a:rPr>
+              <a:t>Training and Validation Loss</a:t>
+            </a:r>
+            <a:endParaRPr lang="en-IN"/>
+          </a:p>
+        </p:txBody>
+      </p:sp>
+      <p:pic>
+        <p:nvPicPr>
+          <p:cNvPr id="6" name="Picture 5">
+            <a:extLst>
+              <a:ext uri="{FF2B5EF4-FFF2-40B4-BE49-F238E27FC236}">
+                <a16:creationId xmlns:a16="http://schemas.microsoft.com/office/drawing/2014/main" id="{A4B2158B-CB50-29B1-9ED2-CA4E72579CB6}"/>
+              </a:ext>
+            </a:extLst>
+          </p:cNvPr>
+          <p:cNvPicPr>
+            <a:picLocks noChangeAspect="1"/>
+          </p:cNvPicPr>
+          <p:nvPr/>
+        </p:nvPicPr>
+        <p:blipFill>
+          <a:blip r:embed="rId2"/>
+          <a:stretch>
+            <a:fillRect/>
+          </a:stretch>
+        </p:blipFill>
+        <p:spPr>
+          <a:xfrm>
+            <a:off x="7239000" y="2571747"/>
+            <a:ext cx="3909399" cy="2514818"/>
+          </a:xfrm>
+          <a:prstGeom prst="rect">
+            <a:avLst/>
+          </a:prstGeom>
+          <a:ln>
+            <a:noFill/>
+          </a:ln>
+          <a:effectLst>
+            <a:outerShdw blurRad="292100" dist="139700" dir="2700000" algn="tl" rotWithShape="0">
+              <a:srgbClr val="333333">
+                <a:alpha val="65000"/>
+              </a:srgbClr>
+            </a:outerShdw>
+          </a:effectLst>
+        </p:spPr>
+      </p:pic>
+      <p:pic>
+        <p:nvPicPr>
+          <p:cNvPr id="12" name="Picture 11">
+            <a:extLst>
+              <a:ext uri="{FF2B5EF4-FFF2-40B4-BE49-F238E27FC236}">
+                <a16:creationId xmlns:a16="http://schemas.microsoft.com/office/drawing/2014/main" id="{60278E0E-DE92-F5E7-9AEE-9D3AA92837E0}"/>
+              </a:ext>
+            </a:extLst>
+          </p:cNvPr>
+          <p:cNvPicPr>
+            <a:picLocks noChangeAspect="1"/>
+          </p:cNvPicPr>
+          <p:nvPr/>
+        </p:nvPicPr>
+        <p:blipFill>
+          <a:blip r:embed="rId3"/>
+          <a:stretch>
+            <a:fillRect/>
+          </a:stretch>
+        </p:blipFill>
+        <p:spPr>
+          <a:xfrm>
+            <a:off x="447869" y="2396472"/>
+            <a:ext cx="3787468" cy="2690093"/>
+          </a:xfrm>
+          <a:prstGeom prst="rect">
+            <a:avLst/>
+          </a:prstGeom>
+          <a:ln>
+            <a:noFill/>
+          </a:ln>
+          <a:effectLst>
+            <a:outerShdw blurRad="292100" dist="139700" dir="2700000" algn="tl" rotWithShape="0">
+              <a:srgbClr val="333333">
+                <a:alpha val="65000"/>
+              </a:srgbClr>
+            </a:outerShdw>
+          </a:effectLst>
+        </p:spPr>
+      </p:pic>
     </p:spTree>
     <p:extLst>
       <p:ext uri="{BB962C8B-B14F-4D97-AF65-F5344CB8AC3E}">
-        <p14:creationId xmlns:p14="http://schemas.microsoft.com/office/powerpoint/2010/main" val="2365266705"/>
+        <p14:creationId xmlns:p14="http://schemas.microsoft.com/office/powerpoint/2010/main" val="2586458052"/>
       </p:ext>
     </p:extLst>
   </p:cSld>
@@ -6352,7 +6361,7 @@
         </p:nvSpPr>
         <p:spPr bwMode="auto">
           <a:xfrm>
-            <a:off x="3048000" y="1581155"/>
+            <a:off x="3124200" y="786048"/>
             <a:ext cx="7620000" cy="36513"/>
           </a:xfrm>
           <a:prstGeom prst="rect">
@@ -6386,7 +6395,7 @@
         </p:nvSpPr>
         <p:spPr bwMode="auto">
           <a:xfrm>
-            <a:off x="2895600" y="1143002"/>
+            <a:off x="2971800" y="323333"/>
             <a:ext cx="7772400" cy="461665"/>
           </a:xfrm>
           <a:prstGeom prst="rect">
@@ -6415,7 +6424,7 @@
               </a:spcAft>
             </a:pPr>
             <a:r>
-              <a:rPr lang="en-US" sz="2400">
+              <a:rPr lang="en-US" sz="2400" dirty="0">
                 <a:solidFill>
                   <a:srgbClr val="FF0000"/>
                 </a:solidFill>
@@ -6426,7 +6435,7 @@
               </a:rPr>
               <a:t>Expected Deliverables</a:t>
             </a:r>
-            <a:endParaRPr lang="en-US" sz="2400"/>
+            <a:endParaRPr lang="en-US" sz="2400" dirty="0"/>
           </a:p>
         </p:txBody>
       </p:sp>
@@ -6444,8 +6453,8 @@
         </p:nvSpPr>
         <p:spPr>
           <a:xfrm>
-            <a:off x="457200" y="1752600"/>
-            <a:ext cx="10439400" cy="1938992"/>
+            <a:off x="0" y="1010264"/>
+            <a:ext cx="10896600" cy="3785652"/>
           </a:xfrm>
           <a:prstGeom prst="rect">
             <a:avLst/>
@@ -6458,7 +6467,7 @@
           </a:bodyPr>
           <a:lstStyle/>
           <a:p>
-            <a:pPr marL="457200" indent="-457200" algn="just">
+            <a:pPr algn="just">
               <a:spcBef>
                 <a:spcPts val="0"/>
               </a:spcBef>
@@ -6467,7 +6476,7 @@
               </a:spcAft>
             </a:pPr>
             <a:r>
-              <a:rPr lang="en-US" sz="2400">
+              <a:rPr lang="en-US" sz="2400" dirty="0">
                 <a:solidFill>
                   <a:srgbClr val="0033CC"/>
                 </a:solidFill>
@@ -6476,22 +6485,54 @@
                 <a:cs typeface="Trebuchet MS"/>
                 <a:sym typeface="Trebuchet MS"/>
               </a:rPr>
-              <a:t>3. Tabulate the individual contribution of the team members with the following</a:t>
-            </a:r>
-          </a:p>
-          <a:p>
-            <a:pPr marL="1828800" lvl="3" indent="-457200" algn="just">
+              <a:t>Data Interpretation: </a:t>
+            </a:r>
+            <a:r>
+              <a:rPr lang="en-US" sz="2400" dirty="0">
+                <a:solidFill>
+                  <a:schemeClr val="tx1">
+                    <a:lumMod val="85000"/>
+                    <a:lumOff val="15000"/>
+                  </a:schemeClr>
+                </a:solidFill>
+                <a:latin typeface="Trebuchet MS"/>
+                <a:ea typeface="Trebuchet MS"/>
+                <a:cs typeface="Trebuchet MS"/>
+                <a:sym typeface="Trebuchet MS"/>
+              </a:rPr>
+              <a:t>Data is stored in the relevant file system structure enabling the classes to be easily distinguished. As Such One major conclusion which can be drawn when working on data related to multi class classification is that the quality of images in dataset play a major role in determining the accuracy of the final model developed.</a:t>
+            </a:r>
+          </a:p>
+          <a:p>
+            <a:pPr algn="just">
               <a:spcBef>
                 <a:spcPts val="0"/>
               </a:spcBef>
               <a:spcAft>
                 <a:spcPts val="0"/>
               </a:spcAft>
-              <a:buFont typeface="+mj-lt"/>
-              <a:buAutoNum type="alphaLcParenR"/>
             </a:pPr>
-            <a:r>
-              <a:rPr lang="en-US" sz="2400">
+            <a:endParaRPr lang="en-US" sz="2400" dirty="0">
+              <a:solidFill>
+                <a:srgbClr val="0033CC"/>
+              </a:solidFill>
+              <a:latin typeface="Trebuchet MS"/>
+              <a:ea typeface="Trebuchet MS"/>
+              <a:cs typeface="Trebuchet MS"/>
+              <a:sym typeface="Trebuchet MS"/>
+            </a:endParaRPr>
+          </a:p>
+          <a:p>
+            <a:pPr algn="just">
+              <a:spcBef>
+                <a:spcPts val="0"/>
+              </a:spcBef>
+              <a:spcAft>
+                <a:spcPts val="0"/>
+              </a:spcAft>
+            </a:pPr>
+            <a:r>
+              <a:rPr lang="en-US" sz="2400" dirty="0">
                 <a:solidFill>
                   <a:srgbClr val="0033CC"/>
                 </a:solidFill>
@@ -6500,55 +6541,62 @@
                 <a:cs typeface="Trebuchet MS"/>
                 <a:sym typeface="Trebuchet MS"/>
               </a:rPr>
-              <a:t>Tasks/Modules assigned</a:t>
-            </a:r>
-          </a:p>
-          <a:p>
-            <a:pPr marL="1828800" lvl="3" indent="-457200" algn="just">
-              <a:spcBef>
-                <a:spcPts val="0"/>
-              </a:spcBef>
-              <a:spcAft>
-                <a:spcPts val="0"/>
-              </a:spcAft>
-              <a:buFont typeface="+mj-lt"/>
-              <a:buAutoNum type="alphaLcParenR"/>
-            </a:pPr>
-            <a:r>
-              <a:rPr lang="en-US" sz="2400">
+              <a:t>Storage : </a:t>
+            </a:r>
+            <a:r>
+              <a:rPr lang="en-US" sz="2400" dirty="0">
                 <a:solidFill>
-                  <a:srgbClr val="0033CC"/>
+                  <a:schemeClr val="tx1">
+                    <a:lumMod val="85000"/>
+                    <a:lumOff val="15000"/>
+                  </a:schemeClr>
                 </a:solidFill>
                 <a:latin typeface="Trebuchet MS"/>
                 <a:ea typeface="Trebuchet MS"/>
                 <a:cs typeface="Trebuchet MS"/>
                 <a:sym typeface="Trebuchet MS"/>
               </a:rPr>
-              <a:t>Development (no. of lines of code &amp; time spent)</a:t>
-            </a:r>
-          </a:p>
-          <a:p>
-            <a:pPr marL="1371600" lvl="2" indent="-457200" algn="just">
-              <a:spcBef>
-                <a:spcPts val="0"/>
-              </a:spcBef>
-              <a:spcAft>
-                <a:spcPts val="0"/>
-              </a:spcAft>
-            </a:pPr>
-            <a:endParaRPr lang="en-US" sz="2400">
-              <a:solidFill>
-                <a:srgbClr val="0033CC"/>
-              </a:solidFill>
-              <a:latin typeface="Trebuchet MS"/>
-              <a:ea typeface="Trebuchet MS"/>
-              <a:cs typeface="Trebuchet MS"/>
-              <a:sym typeface="Trebuchet MS"/>
-            </a:endParaRPr>
-          </a:p>
-        </p:txBody>
-      </p:sp>
+              <a:t>Currently The Entire Dataset is stored on Google Drive as a zip file as it allows easy extraction and working with Google Colab which is being used currently to train our models at a higher speed for higher number of epochs on GPU. </a:t>
+            </a:r>
+          </a:p>
+        </p:txBody>
+      </p:sp>
+      <p:pic>
+        <p:nvPicPr>
+          <p:cNvPr id="6" name="Picture 5">
+            <a:extLst>
+              <a:ext uri="{FF2B5EF4-FFF2-40B4-BE49-F238E27FC236}">
+                <a16:creationId xmlns:a16="http://schemas.microsoft.com/office/drawing/2014/main" id="{BCC53036-4EEB-9557-8D01-BF4A1D836CEE}"/>
+              </a:ext>
+            </a:extLst>
+          </p:cNvPr>
+          <p:cNvPicPr>
+            <a:picLocks noChangeAspect="1"/>
+          </p:cNvPicPr>
+          <p:nvPr/>
+        </p:nvPicPr>
+        <p:blipFill>
+          <a:blip r:embed="rId2"/>
+          <a:stretch>
+            <a:fillRect/>
+          </a:stretch>
+        </p:blipFill>
+        <p:spPr>
+          <a:xfrm>
+            <a:off x="3736592" y="4630456"/>
+            <a:ext cx="4718815" cy="2032263"/>
+          </a:xfrm>
+          <a:prstGeom prst="rect">
+            <a:avLst/>
+          </a:prstGeom>
+        </p:spPr>
+      </p:pic>
     </p:spTree>
+    <p:extLst>
+      <p:ext uri="{BB962C8B-B14F-4D97-AF65-F5344CB8AC3E}">
+        <p14:creationId xmlns:p14="http://schemas.microsoft.com/office/powerpoint/2010/main" val="2365266705"/>
+      </p:ext>
+    </p:extLst>
   </p:cSld>
   <p:clrMapOvr>
     <a:masterClrMapping/>
@@ -6583,7 +6631,7 @@
         </p:nvSpPr>
         <p:spPr bwMode="auto">
           <a:xfrm>
-            <a:off x="3048000" y="1581155"/>
+            <a:off x="2969342" y="824071"/>
             <a:ext cx="7620000" cy="36513"/>
           </a:xfrm>
           <a:prstGeom prst="rect">
@@ -6617,7 +6665,7 @@
         </p:nvSpPr>
         <p:spPr bwMode="auto">
           <a:xfrm>
-            <a:off x="2895600" y="1143002"/>
+            <a:off x="3048000" y="169608"/>
             <a:ext cx="7772400" cy="461665"/>
           </a:xfrm>
           <a:prstGeom prst="rect">
@@ -6646,7 +6694,7 @@
               </a:spcAft>
             </a:pPr>
             <a:r>
-              <a:rPr lang="en-US" sz="2400">
+              <a:rPr lang="en-US" sz="2400" dirty="0">
                 <a:solidFill>
                   <a:srgbClr val="FF0000"/>
                 </a:solidFill>
@@ -6657,16 +6705,16 @@
               </a:rPr>
               <a:t>Expected Deliverables</a:t>
             </a:r>
-            <a:endParaRPr lang="en-US" sz="2400"/>
-          </a:p>
-        </p:txBody>
-      </p:sp>
-      <p:sp>
-        <p:nvSpPr>
-          <p:cNvPr id="4" name="TextBox 3">
+            <a:endParaRPr lang="en-US" sz="2400" dirty="0"/>
+          </a:p>
+        </p:txBody>
+      </p:sp>
+      <p:sp>
+        <p:nvSpPr>
+          <p:cNvPr id="5" name="TextBox 4">
             <a:extLst>
               <a:ext uri="{FF2B5EF4-FFF2-40B4-BE49-F238E27FC236}">
-                <a16:creationId xmlns:a16="http://schemas.microsoft.com/office/drawing/2014/main" id="{CD4476C1-984C-CCBB-6CC8-F59F81EFDE31}"/>
+                <a16:creationId xmlns:a16="http://schemas.microsoft.com/office/drawing/2014/main" id="{EBB10B19-4157-41B3-85CA-452455B519DD}"/>
               </a:ext>
             </a:extLst>
           </p:cNvPr>
@@ -6675,8 +6723,8 @@
         </p:nvSpPr>
         <p:spPr>
           <a:xfrm>
-            <a:off x="228600" y="1905000"/>
-            <a:ext cx="11963400" cy="3477875"/>
+            <a:off x="381000" y="1162665"/>
+            <a:ext cx="10439400" cy="461665"/>
           </a:xfrm>
           <a:prstGeom prst="rect">
             <a:avLst/>
@@ -6684,13 +6732,21 @@
           <a:noFill/>
         </p:spPr>
         <p:txBody>
-          <a:bodyPr wrap="square" rtlCol="0">
+          <a:bodyPr wrap="square">
             <a:spAutoFit/>
           </a:bodyPr>
           <a:lstStyle/>
           <a:p>
-            <a:r>
-              <a:rPr lang="en-US" sz="2000">
+            <a:pPr marL="457200" indent="-457200" algn="just">
+              <a:spcBef>
+                <a:spcPts val="0"/>
+              </a:spcBef>
+              <a:spcAft>
+                <a:spcPts val="0"/>
+              </a:spcAft>
+            </a:pPr>
+            <a:r>
+              <a:rPr lang="en-US" sz="2400" dirty="0">
                 <a:solidFill>
                   <a:srgbClr val="0033CC"/>
                 </a:solidFill>
@@ -6699,114 +6755,496 @@
                 <a:cs typeface="Trebuchet MS"/>
                 <a:sym typeface="Trebuchet MS"/>
               </a:rPr>
-              <a:t>List the SDK / API / Model / Jar/ DLL / Tools / Technologies used – Open-Source/ Licensed.</a:t>
-            </a:r>
-          </a:p>
-          <a:p>
-            <a:endParaRPr lang="en-US" sz="2000">
-              <a:solidFill>
-                <a:srgbClr val="0033CC"/>
-              </a:solidFill>
-              <a:latin typeface="Trebuchet MS"/>
-              <a:ea typeface="Trebuchet MS"/>
-              <a:cs typeface="Trebuchet MS"/>
-              <a:sym typeface="Trebuchet MS"/>
-            </a:endParaRPr>
-          </a:p>
-          <a:p>
-            <a:endParaRPr lang="en-US" sz="2000">
-              <a:solidFill>
-                <a:srgbClr val="0033CC"/>
-              </a:solidFill>
-              <a:latin typeface="Trebuchet MS"/>
-              <a:ea typeface="Trebuchet MS"/>
-              <a:cs typeface="Trebuchet MS"/>
-              <a:sym typeface="Trebuchet MS"/>
-            </a:endParaRPr>
-          </a:p>
-          <a:p>
-            <a:endParaRPr lang="en-US" sz="2000">
-              <a:solidFill>
-                <a:srgbClr val="0033CC"/>
-              </a:solidFill>
-              <a:latin typeface="Trebuchet MS"/>
-              <a:ea typeface="Trebuchet MS"/>
-              <a:cs typeface="Trebuchet MS"/>
-              <a:sym typeface="Trebuchet MS"/>
-            </a:endParaRPr>
-          </a:p>
-          <a:p>
-            <a:endParaRPr lang="en-IN" sz="2000"/>
-          </a:p>
-          <a:p>
-            <a:r>
-              <a:rPr lang="en-US" sz="2000">
-                <a:solidFill>
-                  <a:srgbClr val="0033CC"/>
-                </a:solidFill>
-                <a:latin typeface="Trebuchet MS"/>
-                <a:ea typeface="Trebuchet MS"/>
-                <a:cs typeface="Trebuchet MS"/>
-                <a:sym typeface="Trebuchet MS"/>
-              </a:rPr>
-              <a:t>Testing for the module that is completed.</a:t>
-            </a:r>
-          </a:p>
-          <a:p>
-            <a:endParaRPr lang="en-US" sz="2000">
-              <a:solidFill>
-                <a:srgbClr val="0033CC"/>
-              </a:solidFill>
-              <a:latin typeface="Trebuchet MS"/>
-              <a:ea typeface="Trebuchet MS"/>
-              <a:cs typeface="Trebuchet MS"/>
-              <a:sym typeface="Trebuchet MS"/>
-            </a:endParaRPr>
-          </a:p>
-          <a:p>
-            <a:endParaRPr lang="en-US" sz="2000">
-              <a:solidFill>
-                <a:srgbClr val="0033CC"/>
-              </a:solidFill>
-              <a:latin typeface="Trebuchet MS"/>
-              <a:ea typeface="Trebuchet MS"/>
-              <a:cs typeface="Trebuchet MS"/>
-              <a:sym typeface="Trebuchet MS"/>
-            </a:endParaRPr>
-          </a:p>
-          <a:p>
-            <a:endParaRPr lang="en-US" sz="2000">
-              <a:solidFill>
-                <a:srgbClr val="0033CC"/>
-              </a:solidFill>
-              <a:latin typeface="Trebuchet MS"/>
-              <a:ea typeface="Trebuchet MS"/>
-              <a:cs typeface="Trebuchet MS"/>
-              <a:sym typeface="Trebuchet MS"/>
-            </a:endParaRPr>
-          </a:p>
-          <a:p>
-            <a:endParaRPr lang="en-US" sz="2000">
-              <a:solidFill>
-                <a:srgbClr val="0033CC"/>
-              </a:solidFill>
-              <a:latin typeface="Trebuchet MS"/>
-              <a:ea typeface="Trebuchet MS"/>
-              <a:cs typeface="Trebuchet MS"/>
-              <a:sym typeface="Trebuchet MS"/>
-            </a:endParaRPr>
-          </a:p>
-          <a:p>
-            <a:endParaRPr lang="en-IN" sz="2000"/>
-          </a:p>
-        </p:txBody>
-      </p:sp>
+              <a:t>Individual contribution of the team members</a:t>
+            </a:r>
+          </a:p>
+        </p:txBody>
+      </p:sp>
+      <p:graphicFrame>
+        <p:nvGraphicFramePr>
+          <p:cNvPr id="6" name="Table 6">
+            <a:extLst>
+              <a:ext uri="{FF2B5EF4-FFF2-40B4-BE49-F238E27FC236}">
+                <a16:creationId xmlns:a16="http://schemas.microsoft.com/office/drawing/2014/main" id="{39255A25-A553-C2AE-F46F-B5ACE6FD09E5}"/>
+              </a:ext>
+            </a:extLst>
+          </p:cNvPr>
+          <p:cNvGraphicFramePr>
+            <a:graphicFrameLocks noGrp="1"/>
+          </p:cNvGraphicFramePr>
+          <p:nvPr>
+            <p:extLst>
+              <p:ext uri="{D42A27DB-BD31-4B8C-83A1-F6EECF244321}">
+                <p14:modId xmlns:p14="http://schemas.microsoft.com/office/powerpoint/2010/main" val="3199953381"/>
+              </p:ext>
+            </p:extLst>
+          </p:nvPr>
+        </p:nvGraphicFramePr>
+        <p:xfrm>
+          <a:off x="86847" y="1856034"/>
+          <a:ext cx="12006830" cy="5057524"/>
+        </p:xfrm>
+        <a:graphic>
+          <a:graphicData uri="http://schemas.openxmlformats.org/drawingml/2006/table">
+            <a:tbl>
+              <a:tblPr firstRow="1" bandRow="1">
+                <a:tableStyleId>{5C22544A-7EE6-4342-B048-85BDC9FD1C3A}</a:tableStyleId>
+              </a:tblPr>
+              <a:tblGrid>
+                <a:gridCol w="1937247">
+                  <a:extLst>
+                    <a:ext uri="{9D8B030D-6E8A-4147-A177-3AD203B41FA5}">
+                      <a16:colId xmlns:a16="http://schemas.microsoft.com/office/drawing/2014/main" val="3581303056"/>
+                    </a:ext>
+                  </a:extLst>
+                </a:gridCol>
+                <a:gridCol w="2094605">
+                  <a:extLst>
+                    <a:ext uri="{9D8B030D-6E8A-4147-A177-3AD203B41FA5}">
+                      <a16:colId xmlns:a16="http://schemas.microsoft.com/office/drawing/2014/main" val="3168269040"/>
+                    </a:ext>
+                  </a:extLst>
+                </a:gridCol>
+                <a:gridCol w="3947121">
+                  <a:extLst>
+                    <a:ext uri="{9D8B030D-6E8A-4147-A177-3AD203B41FA5}">
+                      <a16:colId xmlns:a16="http://schemas.microsoft.com/office/drawing/2014/main" val="119975979"/>
+                    </a:ext>
+                  </a:extLst>
+                </a:gridCol>
+                <a:gridCol w="1766438">
+                  <a:extLst>
+                    <a:ext uri="{9D8B030D-6E8A-4147-A177-3AD203B41FA5}">
+                      <a16:colId xmlns:a16="http://schemas.microsoft.com/office/drawing/2014/main" val="3770306625"/>
+                    </a:ext>
+                  </a:extLst>
+                </a:gridCol>
+                <a:gridCol w="2261419">
+                  <a:extLst>
+                    <a:ext uri="{9D8B030D-6E8A-4147-A177-3AD203B41FA5}">
+                      <a16:colId xmlns:a16="http://schemas.microsoft.com/office/drawing/2014/main" val="4166541116"/>
+                    </a:ext>
+                  </a:extLst>
+                </a:gridCol>
+              </a:tblGrid>
+              <a:tr h="858841">
+                <a:tc>
+                  <a:txBody>
+                    <a:bodyPr/>
+                    <a:lstStyle/>
+                    <a:p>
+                      <a:r>
+                        <a:rPr lang="en-US" dirty="0"/>
+                        <a:t>SRN</a:t>
+                      </a:r>
+                      <a:endParaRPr lang="en-IN" dirty="0"/>
+                    </a:p>
+                  </a:txBody>
+                  <a:tcPr/>
+                </a:tc>
+                <a:tc>
+                  <a:txBody>
+                    <a:bodyPr/>
+                    <a:lstStyle/>
+                    <a:p>
+                      <a:r>
+                        <a:rPr lang="en-US" dirty="0"/>
+                        <a:t>NAME</a:t>
+                      </a:r>
+                      <a:endParaRPr lang="en-IN" dirty="0"/>
+                    </a:p>
+                  </a:txBody>
+                  <a:tcPr/>
+                </a:tc>
+                <a:tc>
+                  <a:txBody>
+                    <a:bodyPr/>
+                    <a:lstStyle/>
+                    <a:p>
+                      <a:r>
+                        <a:rPr lang="en-US" dirty="0"/>
+                        <a:t>Task Assigned</a:t>
+                      </a:r>
+                      <a:endParaRPr lang="en-IN" dirty="0"/>
+                    </a:p>
+                  </a:txBody>
+                  <a:tcPr/>
+                </a:tc>
+                <a:tc>
+                  <a:txBody>
+                    <a:bodyPr/>
+                    <a:lstStyle/>
+                    <a:p>
+                      <a:r>
+                        <a:rPr lang="en-US" dirty="0"/>
+                        <a:t>LOC </a:t>
+                      </a:r>
+                      <a:endParaRPr lang="en-IN" dirty="0"/>
+                    </a:p>
+                  </a:txBody>
+                  <a:tcPr/>
+                </a:tc>
+                <a:tc>
+                  <a:txBody>
+                    <a:bodyPr/>
+                    <a:lstStyle/>
+                    <a:p>
+                      <a:r>
+                        <a:rPr lang="en-US" dirty="0"/>
+                        <a:t>Time Spent</a:t>
+                      </a:r>
+                      <a:endParaRPr lang="en-IN" dirty="0"/>
+                    </a:p>
+                  </a:txBody>
+                  <a:tcPr/>
+                </a:tc>
+                <a:extLst>
+                  <a:ext uri="{0D108BD9-81ED-4DB2-BD59-A6C34878D82A}">
+                    <a16:rowId xmlns:a16="http://schemas.microsoft.com/office/drawing/2014/main" val="1547525279"/>
+                  </a:ext>
+                </a:extLst>
+              </a:tr>
+              <a:tr h="858841">
+                <a:tc>
+                  <a:txBody>
+                    <a:bodyPr/>
+                    <a:lstStyle/>
+                    <a:p>
+                      <a:r>
+                        <a:rPr lang="en-US" dirty="0"/>
+                        <a:t>PES2UG19CS198</a:t>
+                      </a:r>
+                      <a:endParaRPr lang="en-IN" dirty="0"/>
+                    </a:p>
+                  </a:txBody>
+                  <a:tcPr/>
+                </a:tc>
+                <a:tc>
+                  <a:txBody>
+                    <a:bodyPr/>
+                    <a:lstStyle/>
+                    <a:p>
+                      <a:r>
+                        <a:rPr lang="en-US" dirty="0"/>
+                        <a:t>Kuntal Gorai</a:t>
+                      </a:r>
+                      <a:endParaRPr lang="en-IN" dirty="0"/>
+                    </a:p>
+                  </a:txBody>
+                  <a:tcPr/>
+                </a:tc>
+                <a:tc>
+                  <a:txBody>
+                    <a:bodyPr/>
+                    <a:lstStyle/>
+                    <a:p>
+                      <a:r>
+                        <a:rPr lang="en-US" dirty="0"/>
+                        <a:t>Build the Necessary Models, Dataset Collection, Dataset Structure Finalization.</a:t>
+                      </a:r>
+                      <a:endParaRPr lang="en-IN" dirty="0"/>
+                    </a:p>
+                  </a:txBody>
+                  <a:tcPr/>
+                </a:tc>
+                <a:tc>
+                  <a:txBody>
+                    <a:bodyPr/>
+                    <a:lstStyle/>
+                    <a:p>
+                      <a:endParaRPr lang="en-IN" dirty="0"/>
+                    </a:p>
+                  </a:txBody>
+                  <a:tcPr/>
+                </a:tc>
+                <a:tc>
+                  <a:txBody>
+                    <a:bodyPr/>
+                    <a:lstStyle/>
+                    <a:p>
+                      <a:endParaRPr lang="en-IN" dirty="0"/>
+                    </a:p>
+                  </a:txBody>
+                  <a:tcPr/>
+                </a:tc>
+                <a:extLst>
+                  <a:ext uri="{0D108BD9-81ED-4DB2-BD59-A6C34878D82A}">
+                    <a16:rowId xmlns:a16="http://schemas.microsoft.com/office/drawing/2014/main" val="860021004"/>
+                  </a:ext>
+                </a:extLst>
+              </a:tr>
+              <a:tr h="1094761">
+                <a:tc>
+                  <a:txBody>
+                    <a:bodyPr/>
+                    <a:lstStyle/>
+                    <a:p>
+                      <a:pPr marL="0" marR="0" lvl="0" indent="0" algn="l" defTabSz="914400" rtl="0" eaLnBrk="1" fontAlgn="auto" latinLnBrk="0" hangingPunct="1">
+                        <a:lnSpc>
+                          <a:spcPct val="100000"/>
+                        </a:lnSpc>
+                        <a:spcBef>
+                          <a:spcPts val="0"/>
+                        </a:spcBef>
+                        <a:spcAft>
+                          <a:spcPts val="0"/>
+                        </a:spcAft>
+                        <a:buClrTx/>
+                        <a:buSzTx/>
+                        <a:buFontTx/>
+                        <a:buNone/>
+                        <a:tabLst/>
+                        <a:defRPr/>
+                      </a:pPr>
+                      <a:r>
+                        <a:rPr lang="en-US" dirty="0"/>
+                        <a:t>PES2UG19CS346</a:t>
+                      </a:r>
+                      <a:endParaRPr lang="en-IN" dirty="0"/>
+                    </a:p>
+                    <a:p>
+                      <a:endParaRPr lang="en-IN" dirty="0"/>
+                    </a:p>
+                  </a:txBody>
+                  <a:tcPr/>
+                </a:tc>
+                <a:tc>
+                  <a:txBody>
+                    <a:bodyPr/>
+                    <a:lstStyle/>
+                    <a:p>
+                      <a:r>
+                        <a:rPr lang="en-US" dirty="0"/>
+                        <a:t>SVSC Santosh</a:t>
+                      </a:r>
+                      <a:endParaRPr lang="en-IN" dirty="0"/>
+                    </a:p>
+                  </a:txBody>
+                  <a:tcPr/>
+                </a:tc>
+                <a:tc>
+                  <a:txBody>
+                    <a:bodyPr/>
+                    <a:lstStyle/>
+                    <a:p>
+                      <a:r>
+                        <a:rPr lang="en-US" dirty="0"/>
+                        <a:t>Integrate Models with app, Dataset Collection, Dataset Structure Finalization.</a:t>
+                      </a:r>
+                      <a:endParaRPr lang="en-IN" dirty="0"/>
+                    </a:p>
+                  </a:txBody>
+                  <a:tcPr/>
+                </a:tc>
+                <a:tc>
+                  <a:txBody>
+                    <a:bodyPr/>
+                    <a:lstStyle/>
+                    <a:p>
+                      <a:endParaRPr lang="en-IN"/>
+                    </a:p>
+                  </a:txBody>
+                  <a:tcPr/>
+                </a:tc>
+                <a:tc>
+                  <a:txBody>
+                    <a:bodyPr/>
+                    <a:lstStyle/>
+                    <a:p>
+                      <a:endParaRPr lang="en-IN" dirty="0"/>
+                    </a:p>
+                  </a:txBody>
+                  <a:tcPr/>
+                </a:tc>
+                <a:extLst>
+                  <a:ext uri="{0D108BD9-81ED-4DB2-BD59-A6C34878D82A}">
+                    <a16:rowId xmlns:a16="http://schemas.microsoft.com/office/drawing/2014/main" val="2432071673"/>
+                  </a:ext>
+                </a:extLst>
+              </a:tr>
+              <a:tr h="1094761">
+                <a:tc>
+                  <a:txBody>
+                    <a:bodyPr/>
+                    <a:lstStyle/>
+                    <a:p>
+                      <a:pPr marL="0" marR="0" lvl="0" indent="0" algn="l" defTabSz="914400" rtl="0" eaLnBrk="1" fontAlgn="auto" latinLnBrk="0" hangingPunct="1">
+                        <a:lnSpc>
+                          <a:spcPct val="100000"/>
+                        </a:lnSpc>
+                        <a:spcBef>
+                          <a:spcPts val="0"/>
+                        </a:spcBef>
+                        <a:spcAft>
+                          <a:spcPts val="0"/>
+                        </a:spcAft>
+                        <a:buClrTx/>
+                        <a:buSzTx/>
+                        <a:buFontTx/>
+                        <a:buNone/>
+                        <a:tabLst/>
+                        <a:defRPr/>
+                      </a:pPr>
+                      <a:r>
+                        <a:rPr lang="en-US" dirty="0"/>
+                        <a:t>PES2UG19CS391</a:t>
+                      </a:r>
+                      <a:endParaRPr lang="en-IN" dirty="0"/>
+                    </a:p>
+                    <a:p>
+                      <a:endParaRPr lang="en-IN" dirty="0"/>
+                    </a:p>
+                  </a:txBody>
+                  <a:tcPr/>
+                </a:tc>
+                <a:tc>
+                  <a:txBody>
+                    <a:bodyPr/>
+                    <a:lstStyle/>
+                    <a:p>
+                      <a:r>
+                        <a:rPr lang="en-US" dirty="0"/>
+                        <a:t>Skanda S</a:t>
+                      </a:r>
+                      <a:endParaRPr lang="en-IN" dirty="0"/>
+                    </a:p>
+                  </a:txBody>
+                  <a:tcPr/>
+                </a:tc>
+                <a:tc>
+                  <a:txBody>
+                    <a:bodyPr/>
+                    <a:lstStyle/>
+                    <a:p>
+                      <a:r>
+                        <a:rPr lang="en-US" dirty="0"/>
+                        <a:t>UI Design, Dataset Collection, Explore Transfer Learning with VGG 16.</a:t>
+                      </a:r>
+                      <a:endParaRPr lang="en-IN" dirty="0"/>
+                    </a:p>
+                  </a:txBody>
+                  <a:tcPr/>
+                </a:tc>
+                <a:tc>
+                  <a:txBody>
+                    <a:bodyPr/>
+                    <a:lstStyle/>
+                    <a:p>
+                      <a:endParaRPr lang="en-IN" dirty="0"/>
+                    </a:p>
+                  </a:txBody>
+                  <a:tcPr/>
+                </a:tc>
+                <a:tc>
+                  <a:txBody>
+                    <a:bodyPr/>
+                    <a:lstStyle/>
+                    <a:p>
+                      <a:endParaRPr lang="en-IN" dirty="0"/>
+                    </a:p>
+                  </a:txBody>
+                  <a:tcPr/>
+                </a:tc>
+                <a:extLst>
+                  <a:ext uri="{0D108BD9-81ED-4DB2-BD59-A6C34878D82A}">
+                    <a16:rowId xmlns:a16="http://schemas.microsoft.com/office/drawing/2014/main" val="501959191"/>
+                  </a:ext>
+                </a:extLst>
+              </a:tr>
+              <a:tr h="1094761">
+                <a:tc>
+                  <a:txBody>
+                    <a:bodyPr/>
+                    <a:lstStyle/>
+                    <a:p>
+                      <a:pPr marL="0" marR="0" lvl="0" indent="0" algn="l" defTabSz="914400" rtl="0" eaLnBrk="1" fontAlgn="auto" latinLnBrk="0" hangingPunct="1">
+                        <a:lnSpc>
+                          <a:spcPct val="100000"/>
+                        </a:lnSpc>
+                        <a:spcBef>
+                          <a:spcPts val="0"/>
+                        </a:spcBef>
+                        <a:spcAft>
+                          <a:spcPts val="0"/>
+                        </a:spcAft>
+                        <a:buClrTx/>
+                        <a:buSzTx/>
+                        <a:buFontTx/>
+                        <a:buNone/>
+                        <a:tabLst/>
+                        <a:defRPr/>
+                      </a:pPr>
+                      <a:r>
+                        <a:rPr lang="en-US" dirty="0"/>
+                        <a:t>PES2UG19CS454</a:t>
+                      </a:r>
+                      <a:endParaRPr lang="en-IN" dirty="0"/>
+                    </a:p>
+                    <a:p>
+                      <a:endParaRPr lang="en-IN" dirty="0"/>
+                    </a:p>
+                  </a:txBody>
+                  <a:tcPr/>
+                </a:tc>
+                <a:tc>
+                  <a:txBody>
+                    <a:bodyPr/>
+                    <a:lstStyle/>
+                    <a:p>
+                      <a:r>
+                        <a:rPr lang="en-US" dirty="0"/>
+                        <a:t>Vijay Murugan AS </a:t>
+                      </a:r>
+                      <a:endParaRPr lang="en-IN" dirty="0"/>
+                    </a:p>
+                  </a:txBody>
+                  <a:tcPr/>
+                </a:tc>
+                <a:tc>
+                  <a:txBody>
+                    <a:bodyPr/>
+                    <a:lstStyle/>
+                    <a:p>
+                      <a:r>
+                        <a:rPr lang="en-US" dirty="0"/>
+                        <a:t>UI Design, Dataset Collection, Explore Transfer Learning with VGG 16.</a:t>
+                      </a:r>
+                      <a:endParaRPr lang="en-IN" dirty="0"/>
+                    </a:p>
+                  </a:txBody>
+                  <a:tcPr/>
+                </a:tc>
+                <a:tc>
+                  <a:txBody>
+                    <a:bodyPr/>
+                    <a:lstStyle/>
+                    <a:p>
+                      <a:endParaRPr lang="en-IN" dirty="0"/>
+                    </a:p>
+                  </a:txBody>
+                  <a:tcPr/>
+                </a:tc>
+                <a:tc>
+                  <a:txBody>
+                    <a:bodyPr/>
+                    <a:lstStyle/>
+                    <a:p>
+                      <a:endParaRPr lang="en-IN" dirty="0"/>
+                    </a:p>
+                  </a:txBody>
+                  <a:tcPr/>
+                </a:tc>
+                <a:extLst>
+                  <a:ext uri="{0D108BD9-81ED-4DB2-BD59-A6C34878D82A}">
+                    <a16:rowId xmlns:a16="http://schemas.microsoft.com/office/drawing/2014/main" val="1956388431"/>
+                  </a:ext>
+                </a:extLst>
+              </a:tr>
+            </a:tbl>
+          </a:graphicData>
+        </a:graphic>
+      </p:graphicFrame>
     </p:spTree>
-    <p:extLst>
-      <p:ext uri="{BB962C8B-B14F-4D97-AF65-F5344CB8AC3E}">
-        <p14:creationId xmlns:p14="http://schemas.microsoft.com/office/powerpoint/2010/main" val="763765050"/>
-      </p:ext>
-    </p:extLst>
   </p:cSld>
   <p:clrMapOvr>
     <a:masterClrMapping/>
@@ -6841,7 +7279,7 @@
         </p:nvSpPr>
         <p:spPr bwMode="auto">
           <a:xfrm>
-            <a:off x="3048000" y="1581155"/>
+            <a:off x="3421626" y="532951"/>
             <a:ext cx="7620000" cy="36513"/>
           </a:xfrm>
           <a:prstGeom prst="rect">
@@ -6875,7 +7313,7 @@
         </p:nvSpPr>
         <p:spPr bwMode="auto">
           <a:xfrm>
-            <a:off x="2895600" y="1143002"/>
+            <a:off x="3269226" y="71286"/>
             <a:ext cx="7772400" cy="461665"/>
           </a:xfrm>
           <a:prstGeom prst="rect">
@@ -6904,7 +7342,7 @@
               </a:spcAft>
             </a:pPr>
             <a:r>
-              <a:rPr lang="en-US" sz="2400">
+              <a:rPr lang="en-US" sz="2400" dirty="0">
                 <a:solidFill>
                   <a:srgbClr val="FF0000"/>
                 </a:solidFill>
@@ -6915,7 +7353,7 @@
               </a:rPr>
               <a:t>Expected Deliverables</a:t>
             </a:r>
-            <a:endParaRPr lang="en-US" sz="2400"/>
+            <a:endParaRPr lang="en-US" sz="2400" dirty="0"/>
           </a:p>
         </p:txBody>
       </p:sp>
@@ -6933,8 +7371,8 @@
         </p:nvSpPr>
         <p:spPr>
           <a:xfrm>
-            <a:off x="228600" y="1905000"/>
-            <a:ext cx="10668000" cy="3785652"/>
+            <a:off x="117987" y="1031130"/>
+            <a:ext cx="12074013" cy="4401205"/>
           </a:xfrm>
           <a:prstGeom prst="rect">
             <a:avLst/>
@@ -6948,7 +7386,7 @@
           <a:lstStyle/>
           <a:p>
             <a:r>
-              <a:rPr lang="en-US" sz="2000">
+              <a:rPr lang="en-US" sz="2000" dirty="0">
                 <a:solidFill>
                   <a:srgbClr val="0033CC"/>
                 </a:solidFill>
@@ -6957,11 +7395,11 @@
                 <a:cs typeface="Trebuchet MS"/>
                 <a:sym typeface="Trebuchet MS"/>
               </a:rPr>
-              <a:t>Demonstration and Result of modules completed.</a:t>
-            </a:r>
-          </a:p>
-          <a:p>
-            <a:endParaRPr lang="en-US" sz="2000">
+              <a:t>List the SDK / API / Model / Jar/ DLL / Tools / Technologies used – Open-Source/ Licensed.</a:t>
+            </a:r>
+          </a:p>
+          <a:p>
+            <a:endParaRPr lang="en-US" sz="2000" dirty="0">
               <a:solidFill>
                 <a:srgbClr val="0033CC"/>
               </a:solidFill>
@@ -6972,7 +7410,7 @@
             </a:endParaRPr>
           </a:p>
           <a:p>
-            <a:endParaRPr lang="en-US" sz="2000">
+            <a:endParaRPr lang="en-US" sz="2000" dirty="0">
               <a:solidFill>
                 <a:srgbClr val="0033CC"/>
               </a:solidFill>
@@ -6983,7 +7421,7 @@
             </a:endParaRPr>
           </a:p>
           <a:p>
-            <a:endParaRPr lang="en-US" sz="2000">
+            <a:endParaRPr lang="en-US" sz="2000" dirty="0">
               <a:solidFill>
                 <a:srgbClr val="0033CC"/>
               </a:solidFill>
@@ -6994,7 +7432,7 @@
             </a:endParaRPr>
           </a:p>
           <a:p>
-            <a:endParaRPr lang="en-US" sz="2000">
+            <a:endParaRPr lang="en-US" sz="2000" dirty="0">
               <a:solidFill>
                 <a:srgbClr val="0033CC"/>
               </a:solidFill>
@@ -7005,7 +7443,7 @@
             </a:endParaRPr>
           </a:p>
           <a:p>
-            <a:endParaRPr lang="en-US" sz="2000">
+            <a:endParaRPr lang="en-US" sz="2000" dirty="0">
               <a:solidFill>
                 <a:srgbClr val="0033CC"/>
               </a:solidFill>
@@ -7016,8 +7454,22 @@
             </a:endParaRPr>
           </a:p>
           <a:p>
-            <a:r>
-              <a:rPr lang="en-US" sz="2000">
+            <a:endParaRPr lang="en-US" sz="2000" dirty="0">
+              <a:solidFill>
+                <a:srgbClr val="0033CC"/>
+              </a:solidFill>
+              <a:latin typeface="Trebuchet MS"/>
+              <a:ea typeface="Trebuchet MS"/>
+              <a:cs typeface="Trebuchet MS"/>
+              <a:sym typeface="Trebuchet MS"/>
+            </a:endParaRPr>
+          </a:p>
+          <a:p>
+            <a:endParaRPr lang="en-IN" sz="2000" dirty="0"/>
+          </a:p>
+          <a:p>
+            <a:r>
+              <a:rPr lang="en-US" sz="2000" dirty="0">
                 <a:solidFill>
                   <a:srgbClr val="0033CC"/>
                 </a:solidFill>
@@ -7026,54 +7478,62 @@
                 <a:cs typeface="Trebuchet MS"/>
                 <a:sym typeface="Trebuchet MS"/>
               </a:rPr>
-              <a:t>Tabulate the timeline for all the tasks/modules.</a:t>
-            </a:r>
-          </a:p>
-          <a:p>
-            <a:endParaRPr lang="en-US" sz="2000">
+              <a:t>Testing for the module that is completed.</a:t>
+            </a:r>
+          </a:p>
+          <a:p>
+            <a:endParaRPr lang="en-US" sz="2000" dirty="0">
               <a:solidFill>
                 <a:srgbClr val="0033CC"/>
               </a:solidFill>
               <a:latin typeface="Trebuchet MS"/>
+              <a:ea typeface="Trebuchet MS"/>
+              <a:cs typeface="Trebuchet MS"/>
               <a:sym typeface="Trebuchet MS"/>
             </a:endParaRPr>
           </a:p>
           <a:p>
-            <a:endParaRPr lang="en-US" sz="2000">
+            <a:endParaRPr lang="en-US" sz="2000" dirty="0">
               <a:solidFill>
                 <a:srgbClr val="0033CC"/>
               </a:solidFill>
               <a:latin typeface="Trebuchet MS"/>
+              <a:ea typeface="Trebuchet MS"/>
+              <a:cs typeface="Trebuchet MS"/>
               <a:sym typeface="Trebuchet MS"/>
             </a:endParaRPr>
           </a:p>
           <a:p>
-            <a:endParaRPr lang="en-US" sz="2000">
+            <a:endParaRPr lang="en-US" sz="2000" dirty="0">
               <a:solidFill>
                 <a:srgbClr val="0033CC"/>
               </a:solidFill>
               <a:latin typeface="Trebuchet MS"/>
+              <a:ea typeface="Trebuchet MS"/>
+              <a:cs typeface="Trebuchet MS"/>
               <a:sym typeface="Trebuchet MS"/>
             </a:endParaRPr>
           </a:p>
           <a:p>
-            <a:endParaRPr lang="en-US" sz="2000">
+            <a:endParaRPr lang="en-US" sz="2000" dirty="0">
               <a:solidFill>
                 <a:srgbClr val="0033CC"/>
               </a:solidFill>
               <a:latin typeface="Trebuchet MS"/>
+              <a:ea typeface="Trebuchet MS"/>
+              <a:cs typeface="Trebuchet MS"/>
               <a:sym typeface="Trebuchet MS"/>
             </a:endParaRPr>
           </a:p>
           <a:p>
-            <a:endParaRPr lang="en-IN" sz="2000"/>
+            <a:endParaRPr lang="en-IN" sz="2000" dirty="0"/>
           </a:p>
         </p:txBody>
       </p:sp>
     </p:spTree>
     <p:extLst>
       <p:ext uri="{BB962C8B-B14F-4D97-AF65-F5344CB8AC3E}">
-        <p14:creationId xmlns:p14="http://schemas.microsoft.com/office/powerpoint/2010/main" val="1265558084"/>
+        <p14:creationId xmlns:p14="http://schemas.microsoft.com/office/powerpoint/2010/main" val="763765050"/>
       </p:ext>
     </p:extLst>
   </p:cSld>
@@ -7488,7 +7948,7 @@
         </p:nvSpPr>
         <p:spPr bwMode="auto">
           <a:xfrm>
-            <a:off x="3048000" y="1581155"/>
+            <a:off x="3124200" y="485224"/>
             <a:ext cx="7620000" cy="36513"/>
           </a:xfrm>
           <a:prstGeom prst="rect">
@@ -7522,6 +7982,297 @@
         </p:nvSpPr>
         <p:spPr bwMode="auto">
           <a:xfrm>
+            <a:off x="2971800" y="16974"/>
+            <a:ext cx="7772400" cy="461665"/>
+          </a:xfrm>
+          <a:prstGeom prst="rect">
+            <a:avLst/>
+          </a:prstGeom>
+          <a:noFill/>
+          <a:ln w="9525">
+            <a:noFill/>
+            <a:miter lim="800000"/>
+            <a:headEnd/>
+            <a:tailEnd/>
+          </a:ln>
+        </p:spPr>
+        <p:txBody>
+          <a:bodyPr wrap="square">
+            <a:spAutoFit/>
+          </a:bodyPr>
+          <a:lstStyle/>
+          <a:p>
+            <a:pPr marL="342900" indent="-342900" algn="r">
+              <a:spcBef>
+                <a:spcPts val="0"/>
+              </a:spcBef>
+              <a:spcAft>
+                <a:spcPts val="0"/>
+              </a:spcAft>
+            </a:pPr>
+            <a:r>
+              <a:rPr lang="en-US" sz="2400" dirty="0">
+                <a:solidFill>
+                  <a:srgbClr val="FF0000"/>
+                </a:solidFill>
+                <a:latin typeface="Trebuchet MS"/>
+                <a:ea typeface="Trebuchet MS"/>
+                <a:cs typeface="Trebuchet MS"/>
+                <a:sym typeface="Trebuchet MS"/>
+              </a:rPr>
+              <a:t>Expected Deliverables</a:t>
+            </a:r>
+            <a:endParaRPr lang="en-US" sz="2400" dirty="0"/>
+          </a:p>
+        </p:txBody>
+      </p:sp>
+      <p:sp>
+        <p:nvSpPr>
+          <p:cNvPr id="4" name="TextBox 3">
+            <a:extLst>
+              <a:ext uri="{FF2B5EF4-FFF2-40B4-BE49-F238E27FC236}">
+                <a16:creationId xmlns:a16="http://schemas.microsoft.com/office/drawing/2014/main" id="{CD4476C1-984C-CCBB-6CC8-F59F81EFDE31}"/>
+              </a:ext>
+            </a:extLst>
+          </p:cNvPr>
+          <p:cNvSpPr txBox="1"/>
+          <p:nvPr/>
+        </p:nvSpPr>
+        <p:spPr>
+          <a:xfrm>
+            <a:off x="127819" y="983226"/>
+            <a:ext cx="11651226" cy="4401205"/>
+          </a:xfrm>
+          <a:prstGeom prst="rect">
+            <a:avLst/>
+          </a:prstGeom>
+          <a:noFill/>
+        </p:spPr>
+        <p:txBody>
+          <a:bodyPr wrap="square" rtlCol="0">
+            <a:spAutoFit/>
+          </a:bodyPr>
+          <a:lstStyle/>
+          <a:p>
+            <a:r>
+              <a:rPr lang="en-US" sz="2000" dirty="0">
+                <a:solidFill>
+                  <a:srgbClr val="0033CC"/>
+                </a:solidFill>
+                <a:latin typeface="Trebuchet MS"/>
+                <a:ea typeface="Trebuchet MS"/>
+                <a:cs typeface="Trebuchet MS"/>
+                <a:sym typeface="Trebuchet MS"/>
+              </a:rPr>
+              <a:t>Demonstration and Result of modules completed.</a:t>
+            </a:r>
+          </a:p>
+          <a:p>
+            <a:endParaRPr lang="en-US" sz="2000" dirty="0">
+              <a:solidFill>
+                <a:srgbClr val="0033CC"/>
+              </a:solidFill>
+              <a:latin typeface="Trebuchet MS"/>
+              <a:ea typeface="Trebuchet MS"/>
+              <a:cs typeface="Trebuchet MS"/>
+              <a:sym typeface="Trebuchet MS"/>
+            </a:endParaRPr>
+          </a:p>
+          <a:p>
+            <a:endParaRPr lang="en-US" sz="2000" dirty="0">
+              <a:solidFill>
+                <a:srgbClr val="0033CC"/>
+              </a:solidFill>
+              <a:latin typeface="Trebuchet MS"/>
+              <a:ea typeface="Trebuchet MS"/>
+              <a:cs typeface="Trebuchet MS"/>
+              <a:sym typeface="Trebuchet MS"/>
+            </a:endParaRPr>
+          </a:p>
+          <a:p>
+            <a:endParaRPr lang="en-US" sz="2000" dirty="0">
+              <a:solidFill>
+                <a:srgbClr val="0033CC"/>
+              </a:solidFill>
+              <a:latin typeface="Trebuchet MS"/>
+              <a:ea typeface="Trebuchet MS"/>
+              <a:cs typeface="Trebuchet MS"/>
+              <a:sym typeface="Trebuchet MS"/>
+            </a:endParaRPr>
+          </a:p>
+          <a:p>
+            <a:endParaRPr lang="en-US" sz="2000" dirty="0">
+              <a:solidFill>
+                <a:srgbClr val="0033CC"/>
+              </a:solidFill>
+              <a:latin typeface="Trebuchet MS"/>
+              <a:ea typeface="Trebuchet MS"/>
+              <a:cs typeface="Trebuchet MS"/>
+              <a:sym typeface="Trebuchet MS"/>
+            </a:endParaRPr>
+          </a:p>
+          <a:p>
+            <a:endParaRPr lang="en-US" sz="2000" dirty="0">
+              <a:solidFill>
+                <a:srgbClr val="0033CC"/>
+              </a:solidFill>
+              <a:latin typeface="Trebuchet MS"/>
+              <a:ea typeface="Trebuchet MS"/>
+              <a:cs typeface="Trebuchet MS"/>
+              <a:sym typeface="Trebuchet MS"/>
+            </a:endParaRPr>
+          </a:p>
+          <a:p>
+            <a:endParaRPr lang="en-US" sz="2000" dirty="0">
+              <a:solidFill>
+                <a:srgbClr val="0033CC"/>
+              </a:solidFill>
+              <a:latin typeface="Trebuchet MS"/>
+              <a:ea typeface="Trebuchet MS"/>
+              <a:cs typeface="Trebuchet MS"/>
+              <a:sym typeface="Trebuchet MS"/>
+            </a:endParaRPr>
+          </a:p>
+          <a:p>
+            <a:endParaRPr lang="en-US" sz="2000" dirty="0">
+              <a:solidFill>
+                <a:srgbClr val="0033CC"/>
+              </a:solidFill>
+              <a:latin typeface="Trebuchet MS"/>
+              <a:ea typeface="Trebuchet MS"/>
+              <a:cs typeface="Trebuchet MS"/>
+              <a:sym typeface="Trebuchet MS"/>
+            </a:endParaRPr>
+          </a:p>
+          <a:p>
+            <a:r>
+              <a:rPr lang="en-US" sz="2000" dirty="0">
+                <a:solidFill>
+                  <a:srgbClr val="0033CC"/>
+                </a:solidFill>
+                <a:latin typeface="Trebuchet MS"/>
+                <a:ea typeface="Trebuchet MS"/>
+                <a:cs typeface="Trebuchet MS"/>
+                <a:sym typeface="Trebuchet MS"/>
+              </a:rPr>
+              <a:t>Tabulate the timeline for all the tasks/modules.</a:t>
+            </a:r>
+          </a:p>
+          <a:p>
+            <a:endParaRPr lang="en-US" sz="2000" dirty="0">
+              <a:solidFill>
+                <a:srgbClr val="0033CC"/>
+              </a:solidFill>
+              <a:latin typeface="Trebuchet MS"/>
+              <a:sym typeface="Trebuchet MS"/>
+            </a:endParaRPr>
+          </a:p>
+          <a:p>
+            <a:endParaRPr lang="en-US" sz="2000" dirty="0">
+              <a:solidFill>
+                <a:srgbClr val="0033CC"/>
+              </a:solidFill>
+              <a:latin typeface="Trebuchet MS"/>
+              <a:sym typeface="Trebuchet MS"/>
+            </a:endParaRPr>
+          </a:p>
+          <a:p>
+            <a:endParaRPr lang="en-US" sz="2000" dirty="0">
+              <a:solidFill>
+                <a:srgbClr val="0033CC"/>
+              </a:solidFill>
+              <a:latin typeface="Trebuchet MS"/>
+              <a:sym typeface="Trebuchet MS"/>
+            </a:endParaRPr>
+          </a:p>
+          <a:p>
+            <a:endParaRPr lang="en-US" sz="2000" dirty="0">
+              <a:solidFill>
+                <a:srgbClr val="0033CC"/>
+              </a:solidFill>
+              <a:latin typeface="Trebuchet MS"/>
+              <a:sym typeface="Trebuchet MS"/>
+            </a:endParaRPr>
+          </a:p>
+          <a:p>
+            <a:endParaRPr lang="en-IN" sz="2000" dirty="0"/>
+          </a:p>
+        </p:txBody>
+      </p:sp>
+    </p:spTree>
+    <p:extLst>
+      <p:ext uri="{BB962C8B-B14F-4D97-AF65-F5344CB8AC3E}">
+        <p14:creationId xmlns:p14="http://schemas.microsoft.com/office/powerpoint/2010/main" val="1265558084"/>
+      </p:ext>
+    </p:extLst>
+  </p:cSld>
+  <p:clrMapOvr>
+    <a:masterClrMapping/>
+  </p:clrMapOvr>
+</p:sld>
+</file>
+
+<file path=ppt/slides/slide21.xml><?xml version="1.0" encoding="utf-8"?>
+<p:sld xmlns:a="http://schemas.openxmlformats.org/drawingml/2006/main" xmlns:r="http://schemas.openxmlformats.org/officeDocument/2006/relationships" xmlns:p="http://schemas.openxmlformats.org/presentationml/2006/main">
+  <p:cSld>
+    <p:spTree>
+      <p:nvGrpSpPr>
+        <p:cNvPr id="1" name=""/>
+        <p:cNvGrpSpPr/>
+        <p:nvPr/>
+      </p:nvGrpSpPr>
+      <p:grpSpPr>
+        <a:xfrm>
+          <a:off x="0" y="0"/>
+          <a:ext cx="0" cy="0"/>
+          <a:chOff x="0" y="0"/>
+          <a:chExt cx="0" cy="0"/>
+        </a:xfrm>
+      </p:grpSpPr>
+      <p:sp>
+        <p:nvSpPr>
+          <p:cNvPr id="2" name="Rectangle 1"/>
+          <p:cNvSpPr>
+            <a:spLocks noChangeArrowheads="1"/>
+          </p:cNvSpPr>
+          <p:nvPr/>
+        </p:nvSpPr>
+        <p:spPr bwMode="auto">
+          <a:xfrm>
+            <a:off x="3048000" y="1581155"/>
+            <a:ext cx="7620000" cy="36513"/>
+          </a:xfrm>
+          <a:prstGeom prst="rect">
+            <a:avLst/>
+          </a:prstGeom>
+          <a:solidFill>
+            <a:srgbClr val="33CCCC"/>
+          </a:solidFill>
+          <a:ln w="9525">
+            <a:noFill/>
+            <a:miter lim="800000"/>
+            <a:headEnd/>
+            <a:tailEnd/>
+          </a:ln>
+        </p:spPr>
+        <p:txBody>
+          <a:bodyPr wrap="none" anchor="ctr"/>
+          <a:lstStyle/>
+          <a:p>
+            <a:endParaRPr lang="en-US"/>
+          </a:p>
+        </p:txBody>
+      </p:sp>
+      <p:sp>
+        <p:nvSpPr>
+          <p:cNvPr id="3" name="Text Box 34"/>
+          <p:cNvSpPr txBox="1">
+            <a:spLocks noChangeArrowheads="1"/>
+          </p:cNvSpPr>
+          <p:nvPr/>
+        </p:nvSpPr>
+        <p:spPr bwMode="auto">
+          <a:xfrm>
             <a:off x="2895600" y="1143002"/>
             <a:ext cx="7772400" cy="461665"/>
           </a:xfrm>
@@ -7741,7 +8492,7 @@
 </p:sld>
 </file>
 
-<file path=ppt/slides/slide21.xml><?xml version="1.0" encoding="utf-8"?>
+<file path=ppt/slides/slide22.xml><?xml version="1.0" encoding="utf-8"?>
 <p:sld xmlns:a="http://schemas.openxmlformats.org/drawingml/2006/main" xmlns:r="http://schemas.openxmlformats.org/officeDocument/2006/relationships" xmlns:p="http://schemas.openxmlformats.org/presentationml/2006/main">
   <p:cSld>
     <p:spTree>
@@ -8109,7 +8860,7 @@
               <a:defRPr/>
             </a:pPr>
             <a:r>
-              <a:rPr lang="en-US" sz="2400">
+              <a:rPr lang="en-US" sz="2400" dirty="0">
                 <a:solidFill>
                   <a:srgbClr val="0033CC"/>
                 </a:solidFill>
@@ -8133,7 +8884,7 @@
               <a:buChar char="§"/>
               <a:defRPr/>
             </a:pPr>
-            <a:endParaRPr lang="en-US" sz="2400">
+            <a:endParaRPr lang="en-US" sz="2400" dirty="0">
               <a:solidFill>
                 <a:srgbClr val="0033CC"/>
               </a:solidFill>
@@ -8156,7 +8907,7 @@
               <a:defRPr/>
             </a:pPr>
             <a:r>
-              <a:rPr lang="en-US" sz="2400">
+              <a:rPr lang="en-US" sz="2400" dirty="0">
                 <a:solidFill>
                   <a:srgbClr val="0033CC"/>
                 </a:solidFill>
@@ -8255,7 +9006,7 @@
         </p:nvSpPr>
         <p:spPr bwMode="auto">
           <a:xfrm>
-            <a:off x="3048000" y="1447800"/>
+            <a:off x="3200400" y="469039"/>
             <a:ext cx="7620000" cy="36513"/>
           </a:xfrm>
           <a:prstGeom prst="rect">
@@ -8289,7 +9040,7 @@
         </p:nvSpPr>
         <p:spPr bwMode="auto">
           <a:xfrm>
-            <a:off x="2895600" y="990600"/>
+            <a:off x="3048000" y="43887"/>
             <a:ext cx="7772400" cy="461665"/>
           </a:xfrm>
           <a:prstGeom prst="rect">
@@ -8318,7 +9069,7 @@
               </a:spcAft>
             </a:pPr>
             <a:r>
-              <a:rPr lang="en-US" sz="2400">
+              <a:rPr lang="en-US" sz="2400" dirty="0">
                 <a:solidFill>
                   <a:srgbClr val="FF0000"/>
                 </a:solidFill>
@@ -8327,9 +9078,9 @@
                 <a:cs typeface="Trebuchet MS"/>
                 <a:sym typeface="Trebuchet MS"/>
               </a:rPr>
-              <a:t>Work Done So Far</a:t>
-            </a:r>
-            <a:endParaRPr lang="en-US" sz="2400"/>
+              <a:t>Expected Deliverables</a:t>
+            </a:r>
+            <a:endParaRPr lang="en-US" sz="2400" dirty="0"/>
           </a:p>
         </p:txBody>
       </p:sp>
@@ -8347,8 +9098,8 @@
         </p:nvSpPr>
         <p:spPr>
           <a:xfrm>
-            <a:off x="228600" y="1600200"/>
-            <a:ext cx="10744200" cy="461665"/>
+            <a:off x="0" y="505552"/>
+            <a:ext cx="11914239" cy="6370975"/>
           </a:xfrm>
           <a:prstGeom prst="rect">
             <a:avLst/>
@@ -8361,17 +9112,16 @@
           </a:bodyPr>
           <a:lstStyle/>
           <a:p>
-            <a:pPr marL="457200" lvl="0" indent="-457200" algn="just">
+            <a:pPr lvl="0" algn="just">
               <a:spcBef>
                 <a:spcPts val="0"/>
               </a:spcBef>
               <a:spcAft>
                 <a:spcPts val="0"/>
               </a:spcAft>
-              <a:buAutoNum type="arabicPeriod"/>
             </a:pPr>
             <a:r>
-              <a:rPr lang="en-US" sz="2400">
+              <a:rPr lang="en-US" sz="2400" b="1" u="sng" dirty="0">
                 <a:solidFill>
                   <a:srgbClr val="0033CC"/>
                 </a:solidFill>
@@ -8380,7 +9130,277 @@
                 <a:cs typeface="Trebuchet MS"/>
                 <a:sym typeface="Trebuchet MS"/>
               </a:rPr>
-              <a:t>List of tasks/Modules to be elaborated in discussion with the guide.</a:t>
+              <a:t>List of tasks:</a:t>
+            </a:r>
+          </a:p>
+          <a:p>
+            <a:pPr marL="914400" lvl="1" indent="-457200" algn="just">
+              <a:spcBef>
+                <a:spcPts val="0"/>
+              </a:spcBef>
+              <a:spcAft>
+                <a:spcPts val="0"/>
+              </a:spcAft>
+              <a:buFont typeface="+mj-lt"/>
+              <a:buAutoNum type="alphaLcParenR"/>
+            </a:pPr>
+            <a:r>
+              <a:rPr lang="en-US" sz="2400" dirty="0">
+                <a:solidFill>
+                  <a:schemeClr val="tx1">
+                    <a:lumMod val="85000"/>
+                    <a:lumOff val="15000"/>
+                  </a:schemeClr>
+                </a:solidFill>
+                <a:latin typeface="Trebuchet MS"/>
+                <a:ea typeface="Trebuchet MS"/>
+                <a:cs typeface="Trebuchet MS"/>
+                <a:sym typeface="Trebuchet MS"/>
+              </a:rPr>
+              <a:t>Collecting Good quality Dataset.</a:t>
+            </a:r>
+          </a:p>
+          <a:p>
+            <a:pPr marL="914400" lvl="1" indent="-457200" algn="just">
+              <a:spcBef>
+                <a:spcPts val="0"/>
+              </a:spcBef>
+              <a:spcAft>
+                <a:spcPts val="0"/>
+              </a:spcAft>
+              <a:buFont typeface="+mj-lt"/>
+              <a:buAutoNum type="alphaLcParenR"/>
+            </a:pPr>
+            <a:r>
+              <a:rPr lang="en-US" sz="2400" dirty="0">
+                <a:solidFill>
+                  <a:schemeClr val="tx1">
+                    <a:lumMod val="85000"/>
+                    <a:lumOff val="15000"/>
+                  </a:schemeClr>
+                </a:solidFill>
+                <a:latin typeface="Trebuchet MS"/>
+                <a:ea typeface="Trebuchet MS"/>
+                <a:cs typeface="Trebuchet MS"/>
+                <a:sym typeface="Trebuchet MS"/>
+              </a:rPr>
+              <a:t>Decide on final structure in which data needs to be given to the model to work.</a:t>
+            </a:r>
+          </a:p>
+          <a:p>
+            <a:pPr marL="914400" lvl="1" indent="-457200" algn="just">
+              <a:spcBef>
+                <a:spcPts val="0"/>
+              </a:spcBef>
+              <a:spcAft>
+                <a:spcPts val="0"/>
+              </a:spcAft>
+              <a:buFont typeface="+mj-lt"/>
+              <a:buAutoNum type="alphaLcParenR"/>
+            </a:pPr>
+            <a:r>
+              <a:rPr lang="en-US" sz="2400" dirty="0">
+                <a:solidFill>
+                  <a:schemeClr val="tx1">
+                    <a:lumMod val="85000"/>
+                    <a:lumOff val="15000"/>
+                  </a:schemeClr>
+                </a:solidFill>
+                <a:latin typeface="Trebuchet MS"/>
+                <a:ea typeface="Trebuchet MS"/>
+                <a:cs typeface="Trebuchet MS"/>
+                <a:sym typeface="Trebuchet MS"/>
+              </a:rPr>
+              <a:t>Decide on models which can be used in Ensemble Learning.</a:t>
+            </a:r>
+          </a:p>
+          <a:p>
+            <a:pPr marL="914400" lvl="1" indent="-457200" algn="just">
+              <a:spcBef>
+                <a:spcPts val="0"/>
+              </a:spcBef>
+              <a:spcAft>
+                <a:spcPts val="0"/>
+              </a:spcAft>
+              <a:buFont typeface="+mj-lt"/>
+              <a:buAutoNum type="alphaLcParenR"/>
+            </a:pPr>
+            <a:r>
+              <a:rPr lang="en-US" sz="2400" dirty="0">
+                <a:solidFill>
+                  <a:schemeClr val="tx1">
+                    <a:lumMod val="85000"/>
+                    <a:lumOff val="15000"/>
+                  </a:schemeClr>
+                </a:solidFill>
+                <a:latin typeface="Trebuchet MS"/>
+                <a:ea typeface="Trebuchet MS"/>
+                <a:cs typeface="Trebuchet MS"/>
+                <a:sym typeface="Trebuchet MS"/>
+              </a:rPr>
+              <a:t>Train all the models on Collab using the same data and use the accuracy obtained as the weights.</a:t>
+            </a:r>
+          </a:p>
+          <a:p>
+            <a:pPr marL="914400" lvl="1" indent="-457200" algn="just">
+              <a:spcBef>
+                <a:spcPts val="0"/>
+              </a:spcBef>
+              <a:spcAft>
+                <a:spcPts val="0"/>
+              </a:spcAft>
+              <a:buFont typeface="+mj-lt"/>
+              <a:buAutoNum type="alphaLcParenR"/>
+            </a:pPr>
+            <a:r>
+              <a:rPr lang="en-US" sz="2400" dirty="0">
+                <a:solidFill>
+                  <a:schemeClr val="tx1">
+                    <a:lumMod val="85000"/>
+                    <a:lumOff val="15000"/>
+                  </a:schemeClr>
+                </a:solidFill>
+                <a:latin typeface="Trebuchet MS"/>
+                <a:ea typeface="Trebuchet MS"/>
+                <a:cs typeface="Trebuchet MS"/>
+                <a:sym typeface="Trebuchet MS"/>
+              </a:rPr>
+              <a:t>Convert the models into a necessary format to be integrated with android studio Based app.</a:t>
+            </a:r>
+          </a:p>
+          <a:p>
+            <a:pPr marL="914400" lvl="1" indent="-457200" algn="just">
+              <a:spcBef>
+                <a:spcPts val="0"/>
+              </a:spcBef>
+              <a:spcAft>
+                <a:spcPts val="0"/>
+              </a:spcAft>
+              <a:buFont typeface="+mj-lt"/>
+              <a:buAutoNum type="alphaLcParenR"/>
+            </a:pPr>
+            <a:r>
+              <a:rPr lang="en-US" sz="2400" dirty="0">
+                <a:solidFill>
+                  <a:schemeClr val="tx1">
+                    <a:lumMod val="85000"/>
+                    <a:lumOff val="15000"/>
+                  </a:schemeClr>
+                </a:solidFill>
+                <a:latin typeface="Trebuchet MS"/>
+                <a:ea typeface="Trebuchet MS"/>
+                <a:cs typeface="Trebuchet MS"/>
+                <a:sym typeface="Trebuchet MS"/>
+              </a:rPr>
+              <a:t>Determine the UI of the app as to what all pages are needed and how to design the same.</a:t>
+            </a:r>
+          </a:p>
+          <a:p>
+            <a:pPr marL="914400" lvl="1" indent="-457200" algn="just">
+              <a:spcBef>
+                <a:spcPts val="0"/>
+              </a:spcBef>
+              <a:spcAft>
+                <a:spcPts val="0"/>
+              </a:spcAft>
+              <a:buFont typeface="+mj-lt"/>
+              <a:buAutoNum type="alphaLcParenR"/>
+            </a:pPr>
+            <a:r>
+              <a:rPr lang="en-US" sz="2400" dirty="0">
+                <a:solidFill>
+                  <a:schemeClr val="tx1">
+                    <a:lumMod val="85000"/>
+                    <a:lumOff val="15000"/>
+                  </a:schemeClr>
+                </a:solidFill>
+                <a:latin typeface="Trebuchet MS"/>
+                <a:ea typeface="Trebuchet MS"/>
+                <a:cs typeface="Trebuchet MS"/>
+                <a:sym typeface="Trebuchet MS"/>
+              </a:rPr>
+              <a:t>Decide on what and how database can be used to ensure all apps work with same data.</a:t>
+            </a:r>
+          </a:p>
+          <a:p>
+            <a:pPr marL="914400" lvl="1" indent="-457200" algn="just">
+              <a:spcBef>
+                <a:spcPts val="0"/>
+              </a:spcBef>
+              <a:spcAft>
+                <a:spcPts val="0"/>
+              </a:spcAft>
+              <a:buFont typeface="+mj-lt"/>
+              <a:buAutoNum type="alphaLcParenR"/>
+            </a:pPr>
+            <a:r>
+              <a:rPr lang="en-US" sz="2400" dirty="0">
+                <a:solidFill>
+                  <a:schemeClr val="tx1">
+                    <a:lumMod val="85000"/>
+                    <a:lumOff val="15000"/>
+                  </a:schemeClr>
+                </a:solidFill>
+                <a:latin typeface="Trebuchet MS"/>
+                <a:ea typeface="Trebuchet MS"/>
+                <a:cs typeface="Trebuchet MS"/>
+                <a:sym typeface="Trebuchet MS"/>
+              </a:rPr>
+              <a:t>Make necessary changes in Java to use the Deep learning models developed and ensure consistency between the two.</a:t>
+            </a:r>
+          </a:p>
+          <a:p>
+            <a:pPr marL="914400" lvl="1" indent="-457200" algn="just">
+              <a:spcBef>
+                <a:spcPts val="0"/>
+              </a:spcBef>
+              <a:spcAft>
+                <a:spcPts val="0"/>
+              </a:spcAft>
+              <a:buFont typeface="+mj-lt"/>
+              <a:buAutoNum type="alphaLcParenR"/>
+            </a:pPr>
+            <a:r>
+              <a:rPr lang="en-US" sz="2400" dirty="0">
+                <a:solidFill>
+                  <a:schemeClr val="tx1">
+                    <a:lumMod val="85000"/>
+                    <a:lumOff val="15000"/>
+                  </a:schemeClr>
+                </a:solidFill>
+                <a:latin typeface="Trebuchet MS"/>
+                <a:ea typeface="Trebuchet MS"/>
+                <a:cs typeface="Trebuchet MS"/>
+                <a:sym typeface="Trebuchet MS"/>
+              </a:rPr>
+              <a:t>Integrate app with Hardware IO components.</a:t>
+            </a:r>
+          </a:p>
+          <a:p>
+            <a:pPr marL="914400" lvl="1" indent="-457200" algn="just">
+              <a:spcBef>
+                <a:spcPts val="0"/>
+              </a:spcBef>
+              <a:spcAft>
+                <a:spcPts val="0"/>
+              </a:spcAft>
+              <a:buFont typeface="+mj-lt"/>
+              <a:buAutoNum type="alphaLcParenR"/>
+            </a:pPr>
+            <a:r>
+              <a:rPr lang="en-US" sz="2400" dirty="0">
+                <a:solidFill>
+                  <a:schemeClr val="tx1">
+                    <a:lumMod val="85000"/>
+                    <a:lumOff val="15000"/>
+                  </a:schemeClr>
+                </a:solidFill>
+                <a:latin typeface="Trebuchet MS"/>
+                <a:ea typeface="Trebuchet MS"/>
+                <a:cs typeface="Trebuchet MS"/>
+                <a:sym typeface="Trebuchet MS"/>
+              </a:rPr>
+              <a:t>Make necessary Changes to ensure user-friendliness and ease of use.</a:t>
             </a:r>
           </a:p>
         </p:txBody>
@@ -8388,7 +9408,7 @@
     </p:spTree>
     <p:extLst>
       <p:ext uri="{BB962C8B-B14F-4D97-AF65-F5344CB8AC3E}">
-        <p14:creationId xmlns:p14="http://schemas.microsoft.com/office/powerpoint/2010/main" val="3774678521"/>
+        <p14:creationId xmlns:p14="http://schemas.microsoft.com/office/powerpoint/2010/main" val="508094914"/>
       </p:ext>
     </p:extLst>
   </p:cSld>
@@ -8425,7 +9445,7 @@
         </p:nvSpPr>
         <p:spPr bwMode="auto">
           <a:xfrm>
-            <a:off x="3048000" y="1447800"/>
+            <a:off x="3200400" y="537865"/>
             <a:ext cx="7620000" cy="36513"/>
           </a:xfrm>
           <a:prstGeom prst="rect">
@@ -8459,7 +9479,7 @@
         </p:nvSpPr>
         <p:spPr bwMode="auto">
           <a:xfrm>
-            <a:off x="2895600" y="990600"/>
+            <a:off x="3048000" y="76200"/>
             <a:ext cx="7772400" cy="461665"/>
           </a:xfrm>
           <a:prstGeom prst="rect">
@@ -8517,8 +9537,8 @@
         </p:nvSpPr>
         <p:spPr>
           <a:xfrm>
-            <a:off x="228600" y="1600200"/>
-            <a:ext cx="10744200" cy="461665"/>
+            <a:off x="0" y="805210"/>
+            <a:ext cx="10896600" cy="461665"/>
           </a:xfrm>
           <a:prstGeom prst="rect">
             <a:avLst/>
@@ -8531,14 +9551,13 @@
           </a:bodyPr>
           <a:lstStyle/>
           <a:p>
-            <a:pPr marL="457200" lvl="0" indent="-457200" algn="just">
+            <a:pPr algn="just">
               <a:spcBef>
                 <a:spcPts val="0"/>
               </a:spcBef>
               <a:spcAft>
                 <a:spcPts val="0"/>
               </a:spcAft>
-              <a:buAutoNum type="arabicPeriod"/>
             </a:pPr>
             <a:r>
               <a:rPr lang="en-US" sz="2400">
@@ -8550,17 +9569,52 @@
                 <a:cs typeface="Trebuchet MS"/>
                 <a:sym typeface="Trebuchet MS"/>
               </a:rPr>
-              <a:t>List of tasks/Modules to be elaborated in discussion with the guide.</a:t>
-            </a:r>
-          </a:p>
-        </p:txBody>
-      </p:sp>
+              <a:t>Data Collection: Data Frame showing Necessary Information</a:t>
+            </a:r>
+          </a:p>
+        </p:txBody>
+      </p:sp>
+      <p:pic>
+        <p:nvPicPr>
+          <p:cNvPr id="6" name="Picture 5">
+            <a:extLst>
+              <a:ext uri="{FF2B5EF4-FFF2-40B4-BE49-F238E27FC236}">
+                <a16:creationId xmlns:a16="http://schemas.microsoft.com/office/drawing/2014/main" id="{D6617CD2-BD8D-8BED-A7BA-70E03390053A}"/>
+              </a:ext>
+            </a:extLst>
+          </p:cNvPr>
+          <p:cNvPicPr>
+            <a:picLocks noChangeAspect="1"/>
+          </p:cNvPicPr>
+          <p:nvPr/>
+        </p:nvPicPr>
+        <p:blipFill>
+          <a:blip r:embed="rId2"/>
+          <a:stretch>
+            <a:fillRect/>
+          </a:stretch>
+        </p:blipFill>
+        <p:spPr>
+          <a:xfrm>
+            <a:off x="422787" y="1409234"/>
+            <a:ext cx="10615580" cy="5372566"/>
+          </a:xfrm>
+          <a:prstGeom prst="rect">
+            <a:avLst/>
+          </a:prstGeom>
+          <a:ln>
+            <a:noFill/>
+          </a:ln>
+          <a:effectLst>
+            <a:outerShdw blurRad="292100" dist="139700" dir="2700000" algn="tl" rotWithShape="0">
+              <a:srgbClr val="333333">
+                <a:alpha val="65000"/>
+              </a:srgbClr>
+            </a:outerShdw>
+          </a:effectLst>
+        </p:spPr>
+      </p:pic>
     </p:spTree>
-    <p:extLst>
-      <p:ext uri="{BB962C8B-B14F-4D97-AF65-F5344CB8AC3E}">
-        <p14:creationId xmlns:p14="http://schemas.microsoft.com/office/powerpoint/2010/main" val="508094914"/>
-      </p:ext>
-    </p:extLst>
   </p:cSld>
   <p:clrMapOvr>
     <a:masterClrMapping/>
@@ -8726,10 +9780,10 @@
       </p:sp>
       <p:pic>
         <p:nvPicPr>
-          <p:cNvPr id="8" name="Picture 7">
+          <p:cNvPr id="7" name="Picture 6">
             <a:extLst>
               <a:ext uri="{FF2B5EF4-FFF2-40B4-BE49-F238E27FC236}">
-                <a16:creationId xmlns:a16="http://schemas.microsoft.com/office/drawing/2014/main" id="{4FCF080E-5BF5-4A02-2BA7-30CF8D4E9B1E}"/>
+                <a16:creationId xmlns:a16="http://schemas.microsoft.com/office/drawing/2014/main" id="{B85F79FE-EEF3-F3EB-469F-8EA9A7E38595}"/>
               </a:ext>
             </a:extLst>
           </p:cNvPr>
@@ -8746,15 +9800,30 @@
         </p:blipFill>
         <p:spPr>
           <a:xfrm>
-            <a:off x="34212" y="1266875"/>
-            <a:ext cx="11057578" cy="4892464"/>
+            <a:off x="132889" y="1569559"/>
+            <a:ext cx="11955585" cy="4182312"/>
           </a:xfrm>
           <a:prstGeom prst="rect">
             <a:avLst/>
           </a:prstGeom>
+          <a:ln>
+            <a:noFill/>
+          </a:ln>
+          <a:effectLst>
+            <a:outerShdw blurRad="292100" dist="139700" dir="2700000" algn="tl" rotWithShape="0">
+              <a:srgbClr val="333333">
+                <a:alpha val="65000"/>
+              </a:srgbClr>
+            </a:outerShdw>
+          </a:effectLst>
         </p:spPr>
       </p:pic>
     </p:spTree>
+    <p:extLst>
+      <p:ext uri="{BB962C8B-B14F-4D97-AF65-F5344CB8AC3E}">
+        <p14:creationId xmlns:p14="http://schemas.microsoft.com/office/powerpoint/2010/main" val="1899392949"/>
+      </p:ext>
+    </p:extLst>
   </p:cSld>
   <p:clrMapOvr>
     <a:masterClrMapping/>
@@ -8789,7 +9858,7 @@
         </p:nvSpPr>
         <p:spPr bwMode="auto">
           <a:xfrm>
-            <a:off x="3200400" y="537865"/>
+            <a:off x="3048000" y="1069856"/>
             <a:ext cx="7620000" cy="36513"/>
           </a:xfrm>
           <a:prstGeom prst="rect">
@@ -8823,7 +9892,7 @@
         </p:nvSpPr>
         <p:spPr bwMode="auto">
           <a:xfrm>
-            <a:off x="3048000" y="76200"/>
+            <a:off x="2971800" y="607141"/>
             <a:ext cx="7772400" cy="461665"/>
           </a:xfrm>
           <a:prstGeom prst="rect">
@@ -8852,7 +9921,7 @@
               </a:spcAft>
             </a:pPr>
             <a:r>
-              <a:rPr lang="en-US" sz="2400">
+              <a:rPr lang="en-US" sz="2400" dirty="0">
                 <a:solidFill>
                   <a:srgbClr val="FF0000"/>
                 </a:solidFill>
@@ -8863,7 +9932,7 @@
               </a:rPr>
               <a:t>Expected Deliverables</a:t>
             </a:r>
-            <a:endParaRPr lang="en-US" sz="2400"/>
+            <a:endParaRPr lang="en-US" sz="2400" dirty="0"/>
           </a:p>
         </p:txBody>
       </p:sp>
@@ -8881,8 +9950,8 @@
         </p:nvSpPr>
         <p:spPr>
           <a:xfrm>
-            <a:off x="0" y="805210"/>
-            <a:ext cx="10896600" cy="461665"/>
+            <a:off x="115529" y="1106369"/>
+            <a:ext cx="11879826" cy="2308324"/>
           </a:xfrm>
           <a:prstGeom prst="rect">
             <a:avLst/>
@@ -8904,7 +9973,7 @@
               </a:spcAft>
             </a:pPr>
             <a:r>
-              <a:rPr lang="en-US" sz="2400">
+              <a:rPr lang="en-US" sz="2400" dirty="0">
                 <a:solidFill>
                   <a:srgbClr val="0033CC"/>
                 </a:solidFill>
@@ -8913,7 +9982,22 @@
                 <a:cs typeface="Trebuchet MS"/>
                 <a:sym typeface="Trebuchet MS"/>
               </a:rPr>
-              <a:t>Data Collection: Data Frame showing Necessary Information</a:t>
+              <a:t>Data Preparation:  </a:t>
+            </a:r>
+            <a:r>
+              <a:rPr lang="en-US" sz="2400" dirty="0">
+                <a:solidFill>
+                  <a:schemeClr val="tx1">
+                    <a:lumMod val="85000"/>
+                    <a:lumOff val="15000"/>
+                  </a:schemeClr>
+                </a:solidFill>
+                <a:latin typeface="Trebuchet MS"/>
+                <a:ea typeface="Trebuchet MS"/>
+                <a:cs typeface="Trebuchet MS"/>
+                <a:sym typeface="Trebuchet MS"/>
+              </a:rPr>
+              <a:t>The Dataset Currently being used has been obtained by Manual downloading images from website &lt;images.cv&gt; and later we have extended the same for new classes which could not be found by writing a python code which scrapes the google images search of the class of fruit or vegetable needed and downloads high resolution images of the same automatically until the desired number of images are obtained or the search results exhaust.</a:t>
             </a:r>
           </a:p>
         </p:txBody>
@@ -8923,7 +10007,7 @@
           <p:cNvPr id="6" name="Picture 5">
             <a:extLst>
               <a:ext uri="{FF2B5EF4-FFF2-40B4-BE49-F238E27FC236}">
-                <a16:creationId xmlns:a16="http://schemas.microsoft.com/office/drawing/2014/main" id="{7D7DBB31-D455-5CB8-5C1B-94BCFC67D222}"/>
+                <a16:creationId xmlns:a16="http://schemas.microsoft.com/office/drawing/2014/main" id="{35463395-D3AE-F25D-D5DF-27939D09D517}"/>
               </a:ext>
             </a:extLst>
           </p:cNvPr>
@@ -8940,8 +10024,8 @@
         </p:blipFill>
         <p:spPr>
           <a:xfrm>
-            <a:off x="76200" y="1714351"/>
-            <a:ext cx="11027096" cy="3429297"/>
+            <a:off x="3387410" y="3414693"/>
+            <a:ext cx="5613823" cy="3375788"/>
           </a:xfrm>
           <a:prstGeom prst="rect">
             <a:avLst/>
@@ -8951,7 +10035,7 @@
     </p:spTree>
     <p:extLst>
       <p:ext uri="{BB962C8B-B14F-4D97-AF65-F5344CB8AC3E}">
-        <p14:creationId xmlns:p14="http://schemas.microsoft.com/office/powerpoint/2010/main" val="1899392949"/>
+        <p14:creationId xmlns:p14="http://schemas.microsoft.com/office/powerpoint/2010/main" val="654670340"/>
       </p:ext>
     </p:extLst>
   </p:cSld>
@@ -8988,7 +10072,7 @@
         </p:nvSpPr>
         <p:spPr bwMode="auto">
           <a:xfrm>
-            <a:off x="3048000" y="1447800"/>
+            <a:off x="3200400" y="717304"/>
             <a:ext cx="7620000" cy="36513"/>
           </a:xfrm>
           <a:prstGeom prst="rect">
@@ -9022,7 +10106,7 @@
         </p:nvSpPr>
         <p:spPr bwMode="auto">
           <a:xfrm>
-            <a:off x="2895600" y="990600"/>
+            <a:off x="3048000" y="253181"/>
             <a:ext cx="7772400" cy="461665"/>
           </a:xfrm>
           <a:prstGeom prst="rect">
@@ -9051,7 +10135,7 @@
               </a:spcAft>
             </a:pPr>
             <a:r>
-              <a:rPr lang="en-US" sz="2400">
+              <a:rPr lang="en-US" sz="2400" dirty="0">
                 <a:solidFill>
                   <a:srgbClr val="FF0000"/>
                 </a:solidFill>
@@ -9062,7 +10146,7 @@
               </a:rPr>
               <a:t>Expected Deliverables</a:t>
             </a:r>
-            <a:endParaRPr lang="en-US" sz="2400"/>
+            <a:endParaRPr lang="en-US" sz="2400" dirty="0"/>
           </a:p>
         </p:txBody>
       </p:sp>
@@ -9080,8 +10164,8 @@
         </p:nvSpPr>
         <p:spPr>
           <a:xfrm>
-            <a:off x="76200" y="1600200"/>
-            <a:ext cx="10896600" cy="3785652"/>
+            <a:off x="263013" y="982868"/>
+            <a:ext cx="10896600" cy="1938992"/>
           </a:xfrm>
           <a:prstGeom prst="rect">
             <a:avLst/>
@@ -9103,7 +10187,7 @@
               </a:spcAft>
             </a:pPr>
             <a:r>
-              <a:rPr lang="en-US" sz="2400">
+              <a:rPr lang="en-US" sz="2400" dirty="0">
                 <a:solidFill>
                   <a:srgbClr val="0033CC"/>
                 </a:solidFill>
@@ -9112,192 +10196,60 @@
                 <a:cs typeface="Trebuchet MS"/>
                 <a:sym typeface="Trebuchet MS"/>
               </a:rPr>
-              <a:t>Data Preparation:</a:t>
-            </a:r>
-          </a:p>
-          <a:p>
-            <a:pPr algn="just">
-              <a:spcBef>
-                <a:spcPts val="0"/>
-              </a:spcBef>
-              <a:spcAft>
-                <a:spcPts val="0"/>
-              </a:spcAft>
-            </a:pPr>
-            <a:endParaRPr lang="en-US" sz="2400">
-              <a:solidFill>
-                <a:srgbClr val="0033CC"/>
-              </a:solidFill>
-              <a:latin typeface="Trebuchet MS"/>
-              <a:ea typeface="Trebuchet MS"/>
-              <a:cs typeface="Trebuchet MS"/>
-              <a:sym typeface="Trebuchet MS"/>
-            </a:endParaRPr>
-          </a:p>
-          <a:p>
-            <a:pPr algn="just">
-              <a:spcBef>
-                <a:spcPts val="0"/>
-              </a:spcBef>
-              <a:spcAft>
-                <a:spcPts val="0"/>
-              </a:spcAft>
-            </a:pPr>
-            <a:endParaRPr lang="en-US" sz="2400">
-              <a:solidFill>
-                <a:srgbClr val="0033CC"/>
-              </a:solidFill>
-              <a:latin typeface="Trebuchet MS"/>
-              <a:ea typeface="Trebuchet MS"/>
-              <a:cs typeface="Trebuchet MS"/>
-              <a:sym typeface="Trebuchet MS"/>
-            </a:endParaRPr>
-          </a:p>
-          <a:p>
-            <a:pPr algn="just">
-              <a:spcBef>
-                <a:spcPts val="0"/>
-              </a:spcBef>
-              <a:spcAft>
-                <a:spcPts val="0"/>
-              </a:spcAft>
-            </a:pPr>
-            <a:r>
-              <a:rPr lang="en-US" sz="2400">
+              <a:t>Data Pre-processing: </a:t>
+            </a:r>
+            <a:r>
+              <a:rPr lang="en-US" sz="2400" dirty="0">
                 <a:solidFill>
-                  <a:srgbClr val="0033CC"/>
+                  <a:schemeClr val="tx1">
+                    <a:lumMod val="85000"/>
+                    <a:lumOff val="15000"/>
+                  </a:schemeClr>
                 </a:solidFill>
                 <a:latin typeface="Trebuchet MS"/>
                 <a:ea typeface="Trebuchet MS"/>
                 <a:cs typeface="Trebuchet MS"/>
                 <a:sym typeface="Trebuchet MS"/>
               </a:rPr>
-              <a:t>Data Input:</a:t>
-            </a:r>
-          </a:p>
-          <a:p>
-            <a:pPr algn="just">
-              <a:spcBef>
-                <a:spcPts val="0"/>
-              </a:spcBef>
-              <a:spcAft>
-                <a:spcPts val="0"/>
-              </a:spcAft>
-            </a:pPr>
-            <a:endParaRPr lang="en-US" sz="2400">
-              <a:solidFill>
-                <a:srgbClr val="0033CC"/>
-              </a:solidFill>
-              <a:latin typeface="Trebuchet MS"/>
-              <a:ea typeface="Trebuchet MS"/>
-              <a:cs typeface="Trebuchet MS"/>
-              <a:sym typeface="Trebuchet MS"/>
-            </a:endParaRPr>
-          </a:p>
-          <a:p>
-            <a:pPr algn="just">
-              <a:spcBef>
-                <a:spcPts val="0"/>
-              </a:spcBef>
-              <a:spcAft>
-                <a:spcPts val="0"/>
-              </a:spcAft>
-            </a:pPr>
-            <a:endParaRPr lang="en-US" sz="2400">
-              <a:solidFill>
-                <a:srgbClr val="0033CC"/>
-              </a:solidFill>
-              <a:latin typeface="Trebuchet MS"/>
-              <a:ea typeface="Trebuchet MS"/>
-              <a:cs typeface="Trebuchet MS"/>
-              <a:sym typeface="Trebuchet MS"/>
-            </a:endParaRPr>
-          </a:p>
-          <a:p>
-            <a:pPr algn="just">
-              <a:spcBef>
-                <a:spcPts val="0"/>
-              </a:spcBef>
-              <a:spcAft>
-                <a:spcPts val="0"/>
-              </a:spcAft>
-            </a:pPr>
-            <a:r>
-              <a:rPr lang="en-US" sz="2400">
-                <a:solidFill>
-                  <a:srgbClr val="0033CC"/>
-                </a:solidFill>
-                <a:latin typeface="Trebuchet MS"/>
-                <a:ea typeface="Trebuchet MS"/>
-                <a:cs typeface="Trebuchet MS"/>
-                <a:sym typeface="Trebuchet MS"/>
-              </a:rPr>
-              <a:t>Data Pre-processing:</a:t>
-            </a:r>
-          </a:p>
-          <a:p>
-            <a:pPr algn="just">
-              <a:spcBef>
-                <a:spcPts val="0"/>
-              </a:spcBef>
-              <a:spcAft>
-                <a:spcPts val="0"/>
-              </a:spcAft>
-            </a:pPr>
-            <a:endParaRPr lang="en-US" sz="2400">
-              <a:solidFill>
-                <a:srgbClr val="0033CC"/>
-              </a:solidFill>
-              <a:latin typeface="Trebuchet MS"/>
-              <a:ea typeface="Trebuchet MS"/>
-              <a:cs typeface="Trebuchet MS"/>
-              <a:sym typeface="Trebuchet MS"/>
-            </a:endParaRPr>
-          </a:p>
-          <a:p>
-            <a:pPr algn="just">
-              <a:spcBef>
-                <a:spcPts val="0"/>
-              </a:spcBef>
-              <a:spcAft>
-                <a:spcPts val="0"/>
-              </a:spcAft>
-            </a:pPr>
-            <a:endParaRPr lang="en-US" sz="2400">
-              <a:solidFill>
-                <a:srgbClr val="0033CC"/>
-              </a:solidFill>
-              <a:latin typeface="Trebuchet MS"/>
-              <a:ea typeface="Trebuchet MS"/>
-              <a:cs typeface="Trebuchet MS"/>
-              <a:sym typeface="Trebuchet MS"/>
-            </a:endParaRPr>
-          </a:p>
-          <a:p>
-            <a:pPr algn="just">
-              <a:spcBef>
-                <a:spcPts val="0"/>
-              </a:spcBef>
-              <a:spcAft>
-                <a:spcPts val="0"/>
-              </a:spcAft>
-            </a:pPr>
-            <a:endParaRPr lang="en-US" sz="2400">
-              <a:solidFill>
-                <a:srgbClr val="0033CC"/>
-              </a:solidFill>
-              <a:latin typeface="Trebuchet MS"/>
-              <a:ea typeface="Trebuchet MS"/>
-              <a:cs typeface="Trebuchet MS"/>
-              <a:sym typeface="Trebuchet MS"/>
-            </a:endParaRPr>
-          </a:p>
-        </p:txBody>
-      </p:sp>
+              <a:t>The images downloaded have different formats some of which might not be acceptable to be taken in as input to the model and the images downloaded do not have RGB pixels for all images so necessary conversions to .jpeg, .jpg, .png had to be done in addition to filter junk images coming out of google image search. </a:t>
+            </a:r>
+          </a:p>
+        </p:txBody>
+      </p:sp>
+      <p:pic>
+        <p:nvPicPr>
+          <p:cNvPr id="6" name="Picture 5">
+            <a:extLst>
+              <a:ext uri="{FF2B5EF4-FFF2-40B4-BE49-F238E27FC236}">
+                <a16:creationId xmlns:a16="http://schemas.microsoft.com/office/drawing/2014/main" id="{3BC7BBAC-FB31-BBCF-CF54-F3BF94BF17D1}"/>
+              </a:ext>
+            </a:extLst>
+          </p:cNvPr>
+          <p:cNvPicPr>
+            <a:picLocks noChangeAspect="1"/>
+          </p:cNvPicPr>
+          <p:nvPr/>
+        </p:nvPicPr>
+        <p:blipFill>
+          <a:blip r:embed="rId2"/>
+          <a:stretch>
+            <a:fillRect/>
+          </a:stretch>
+        </p:blipFill>
+        <p:spPr>
+          <a:xfrm>
+            <a:off x="3130320" y="3013443"/>
+            <a:ext cx="5535612" cy="3591376"/>
+          </a:xfrm>
+          <a:prstGeom prst="rect">
+            <a:avLst/>
+          </a:prstGeom>
+        </p:spPr>
+      </p:pic>
     </p:spTree>
     <p:extLst>
       <p:ext uri="{BB962C8B-B14F-4D97-AF65-F5344CB8AC3E}">
-        <p14:creationId xmlns:p14="http://schemas.microsoft.com/office/powerpoint/2010/main" val="654670340"/>
+        <p14:creationId xmlns:p14="http://schemas.microsoft.com/office/powerpoint/2010/main" val="501829556"/>
       </p:ext>
     </p:extLst>
   </p:cSld>
